--- a/images/theory_analysis/Ceph_CRUSH_Map_Bucket_Type/Ceph_CRUSH.pptx
+++ b/images/theory_analysis/Ceph_CRUSH_Map_Bucket_Type/Ceph_CRUSH.pptx
@@ -218,7 +218,7 @@
           <a:p>
             <a:fld id="{6CD5550B-26C4-49A9-A5BA-636EF7BE6CE9}" type="datetimeFigureOut">
               <a:rPr lang="ko-KR" altLang="en-US" smtClean="0"/>
-              <a:t>2019-04-18</a:t>
+              <a:t>2019-04-19</a:t>
             </a:fld>
             <a:endParaRPr lang="ko-KR" altLang="en-US"/>
           </a:p>
@@ -1168,7 +1168,7 @@
           <a:p>
             <a:fld id="{FB30EDBD-1C2D-4C1E-B459-B60219FAB484}" type="datetimeFigureOut">
               <a:rPr lang="ko-KR" altLang="en-US" smtClean="0"/>
-              <a:t>2019-04-18</a:t>
+              <a:t>2019-04-19</a:t>
             </a:fld>
             <a:endParaRPr lang="ko-KR" altLang="en-US"/>
           </a:p>
@@ -1331,7 +1331,7 @@
           <a:p>
             <a:fld id="{FB30EDBD-1C2D-4C1E-B459-B60219FAB484}" type="datetimeFigureOut">
               <a:rPr lang="ko-KR" altLang="en-US" smtClean="0"/>
-              <a:t>2019-04-18</a:t>
+              <a:t>2019-04-19</a:t>
             </a:fld>
             <a:endParaRPr lang="ko-KR" altLang="en-US"/>
           </a:p>
@@ -1504,7 +1504,7 @@
           <a:p>
             <a:fld id="{FB30EDBD-1C2D-4C1E-B459-B60219FAB484}" type="datetimeFigureOut">
               <a:rPr lang="ko-KR" altLang="en-US" smtClean="0"/>
-              <a:t>2019-04-18</a:t>
+              <a:t>2019-04-19</a:t>
             </a:fld>
             <a:endParaRPr lang="ko-KR" altLang="en-US"/>
           </a:p>
@@ -1667,7 +1667,7 @@
           <a:p>
             <a:fld id="{FB30EDBD-1C2D-4C1E-B459-B60219FAB484}" type="datetimeFigureOut">
               <a:rPr lang="ko-KR" altLang="en-US" smtClean="0"/>
-              <a:t>2019-04-18</a:t>
+              <a:t>2019-04-19</a:t>
             </a:fld>
             <a:endParaRPr lang="ko-KR" altLang="en-US"/>
           </a:p>
@@ -1907,7 +1907,7 @@
           <a:p>
             <a:fld id="{FB30EDBD-1C2D-4C1E-B459-B60219FAB484}" type="datetimeFigureOut">
               <a:rPr lang="ko-KR" altLang="en-US" smtClean="0"/>
-              <a:t>2019-04-18</a:t>
+              <a:t>2019-04-19</a:t>
             </a:fld>
             <a:endParaRPr lang="ko-KR" altLang="en-US"/>
           </a:p>
@@ -2187,7 +2187,7 @@
           <a:p>
             <a:fld id="{FB30EDBD-1C2D-4C1E-B459-B60219FAB484}" type="datetimeFigureOut">
               <a:rPr lang="ko-KR" altLang="en-US" smtClean="0"/>
-              <a:t>2019-04-18</a:t>
+              <a:t>2019-04-19</a:t>
             </a:fld>
             <a:endParaRPr lang="ko-KR" altLang="en-US"/>
           </a:p>
@@ -2601,7 +2601,7 @@
           <a:p>
             <a:fld id="{FB30EDBD-1C2D-4C1E-B459-B60219FAB484}" type="datetimeFigureOut">
               <a:rPr lang="ko-KR" altLang="en-US" smtClean="0"/>
-              <a:t>2019-04-18</a:t>
+              <a:t>2019-04-19</a:t>
             </a:fld>
             <a:endParaRPr lang="ko-KR" altLang="en-US"/>
           </a:p>
@@ -2713,7 +2713,7 @@
           <a:p>
             <a:fld id="{FB30EDBD-1C2D-4C1E-B459-B60219FAB484}" type="datetimeFigureOut">
               <a:rPr lang="ko-KR" altLang="en-US" smtClean="0"/>
-              <a:t>2019-04-18</a:t>
+              <a:t>2019-04-19</a:t>
             </a:fld>
             <a:endParaRPr lang="ko-KR" altLang="en-US"/>
           </a:p>
@@ -2803,7 +2803,7 @@
           <a:p>
             <a:fld id="{FB30EDBD-1C2D-4C1E-B459-B60219FAB484}" type="datetimeFigureOut">
               <a:rPr lang="ko-KR" altLang="en-US" smtClean="0"/>
-              <a:t>2019-04-18</a:t>
+              <a:t>2019-04-19</a:t>
             </a:fld>
             <a:endParaRPr lang="ko-KR" altLang="en-US"/>
           </a:p>
@@ -3073,7 +3073,7 @@
           <a:p>
             <a:fld id="{FB30EDBD-1C2D-4C1E-B459-B60219FAB484}" type="datetimeFigureOut">
               <a:rPr lang="ko-KR" altLang="en-US" smtClean="0"/>
-              <a:t>2019-04-18</a:t>
+              <a:t>2019-04-19</a:t>
             </a:fld>
             <a:endParaRPr lang="ko-KR" altLang="en-US"/>
           </a:p>
@@ -3320,7 +3320,7 @@
           <a:p>
             <a:fld id="{FB30EDBD-1C2D-4C1E-B459-B60219FAB484}" type="datetimeFigureOut">
               <a:rPr lang="ko-KR" altLang="en-US" smtClean="0"/>
-              <a:t>2019-04-18</a:t>
+              <a:t>2019-04-19</a:t>
             </a:fld>
             <a:endParaRPr lang="ko-KR" altLang="en-US"/>
           </a:p>
@@ -3526,7 +3526,7 @@
           <a:p>
             <a:fld id="{FB30EDBD-1C2D-4C1E-B459-B60219FAB484}" type="datetimeFigureOut">
               <a:rPr lang="ko-KR" altLang="en-US" smtClean="0"/>
-              <a:t>2019-04-18</a:t>
+              <a:t>2019-04-19</a:t>
             </a:fld>
             <a:endParaRPr lang="ko-KR" altLang="en-US"/>
           </a:p>
@@ -10275,7 +10275,7 @@
           <p:nvPr>
             <p:extLst>
               <p:ext uri="{D42A27DB-BD31-4B8C-83A1-F6EECF244321}">
-                <p14:modId xmlns:p14="http://schemas.microsoft.com/office/powerpoint/2010/main" val="911267223"/>
+                <p14:modId xmlns:p14="http://schemas.microsoft.com/office/powerpoint/2010/main" val="93263681"/>
               </p:ext>
             </p:extLst>
           </p:nvPr>
@@ -10363,7 +10363,7 @@
                       </a:pPr>
                       <a:r>
                         <a:rPr lang="en-US" altLang="ko-KR" sz="1400"/>
-                        <a:t>CBucket_ID = 0 </a:t>
+                        <a:t>cbucket_id = 0 </a:t>
                       </a:r>
                       <a:endParaRPr lang="ko-KR" altLang="en-US" sz="1400"/>
                     </a:p>
@@ -10394,7 +10394,7 @@
                       </a:pPr>
                       <a:r>
                         <a:rPr lang="en-US" altLang="ko-KR" sz="1400"/>
-                        <a:t>CBucket_ID = 1 </a:t>
+                        <a:t>cbucket_id = 1 </a:t>
                       </a:r>
                       <a:endParaRPr lang="ko-KR" altLang="en-US" sz="1400"/>
                     </a:p>
@@ -10425,7 +10425,7 @@
                       </a:pPr>
                       <a:r>
                         <a:rPr lang="en-US" altLang="ko-KR" sz="1400"/>
-                        <a:t>CBucket_ID = 2 </a:t>
+                        <a:t>cbucket_id = 2 </a:t>
                       </a:r>
                       <a:endParaRPr lang="ko-KR" altLang="en-US" sz="1400"/>
                     </a:p>
@@ -10456,7 +10456,7 @@
                       </a:pPr>
                       <a:r>
                         <a:rPr lang="en-US" altLang="ko-KR" sz="1400"/>
-                        <a:t>CBucket_ID = 3 </a:t>
+                        <a:t>cbucket_id = 3 </a:t>
                       </a:r>
                       <a:endParaRPr lang="ko-KR" altLang="en-US" sz="1400"/>
                     </a:p>
@@ -10478,7 +10478,7 @@
                       <a:pPr algn="ctr" latinLnBrk="1"/>
                       <a:r>
                         <a:rPr lang="en-US" altLang="ko-KR" sz="1400"/>
-                        <a:t>CBucket_Weight</a:t>
+                        <a:t>cbucket_weight</a:t>
                       </a:r>
                       <a:endParaRPr lang="ko-KR" altLang="en-US" sz="1400"/>
                     </a:p>
@@ -10592,7 +10592,7 @@
                       <a:pPr algn="ctr" latinLnBrk="1"/>
                       <a:r>
                         <a:rPr lang="en-US" altLang="ko-KR" sz="1400"/>
-                        <a:t>Sum_Weight</a:t>
+                        <a:t>sum_weight</a:t>
                       </a:r>
                       <a:endParaRPr lang="ko-KR" altLang="en-US" sz="1400"/>
                     </a:p>
@@ -10716,7 +10716,7 @@
           <p:nvPr>
             <p:extLst>
               <p:ext uri="{D42A27DB-BD31-4B8C-83A1-F6EECF244321}">
-                <p14:modId xmlns:p14="http://schemas.microsoft.com/office/powerpoint/2010/main" val="3065288774"/>
+                <p14:modId xmlns:p14="http://schemas.microsoft.com/office/powerpoint/2010/main" val="2039032633"/>
               </p:ext>
             </p:extLst>
           </p:nvPr>
@@ -10811,7 +10811,7 @@
                       </a:pPr>
                       <a:r>
                         <a:rPr lang="en-US" altLang="ko-KR" sz="1400"/>
-                        <a:t>CBucket_ID = 0 </a:t>
+                        <a:t>cbucket_id = 0 </a:t>
                       </a:r>
                       <a:endParaRPr lang="ko-KR" altLang="en-US" sz="1400"/>
                     </a:p>
@@ -10826,7 +10826,7 @@
                       <a:pPr algn="ctr" latinLnBrk="1"/>
                       <a:r>
                         <a:rPr lang="en-US" altLang="ko-KR" sz="1400"/>
-                        <a:t>CBucket_ID = 1 </a:t>
+                        <a:t>cbucket_id = 1 </a:t>
                       </a:r>
                       <a:endParaRPr lang="ko-KR" altLang="en-US" sz="1400"/>
                     </a:p>
@@ -10841,7 +10841,7 @@
                       <a:pPr algn="ctr" latinLnBrk="1"/>
                       <a:r>
                         <a:rPr lang="en-US" altLang="ko-KR" sz="1400"/>
-                        <a:t>CBucket_ID = 2 </a:t>
+                        <a:t>cbucket_id = 2 </a:t>
                       </a:r>
                       <a:endParaRPr lang="ko-KR" altLang="en-US" sz="1400"/>
                     </a:p>
@@ -10856,7 +10856,7 @@
                       <a:pPr algn="ctr" latinLnBrk="1"/>
                       <a:r>
                         <a:rPr lang="en-US" altLang="ko-KR" sz="1400"/>
-                        <a:t>CBucket_ID = 3 </a:t>
+                        <a:t>cbucket_id = 3 </a:t>
                       </a:r>
                       <a:endParaRPr lang="ko-KR" altLang="en-US" sz="1400"/>
                     </a:p>
@@ -10887,7 +10887,7 @@
                       </a:pPr>
                       <a:r>
                         <a:rPr lang="en-US" altLang="ko-KR" sz="1400"/>
-                        <a:t>CBucket_ID = 4</a:t>
+                        <a:t>cbucket_id = 4</a:t>
                       </a:r>
                       <a:endParaRPr lang="ko-KR" altLang="en-US" sz="1400"/>
                     </a:p>
@@ -10915,7 +10915,7 @@
                       <a:pPr algn="ctr" latinLnBrk="1"/>
                       <a:r>
                         <a:rPr lang="en-US" altLang="ko-KR" sz="1400"/>
-                        <a:t>CBucket_Weight</a:t>
+                        <a:t>cbucket_weight</a:t>
                       </a:r>
                       <a:endParaRPr lang="ko-KR" altLang="en-US" sz="1400"/>
                     </a:p>
@@ -11058,7 +11058,7 @@
                       <a:pPr algn="ctr" latinLnBrk="1"/>
                       <a:r>
                         <a:rPr lang="en-US" altLang="ko-KR" sz="1400"/>
-                        <a:t>Sum_Weight</a:t>
+                        <a:t>sum_weight</a:t>
                       </a:r>
                       <a:endParaRPr lang="ko-KR" altLang="en-US" sz="1400"/>
                     </a:p>
@@ -11211,7 +11211,7 @@
           <p:nvPr>
             <p:extLst>
               <p:ext uri="{D42A27DB-BD31-4B8C-83A1-F6EECF244321}">
-                <p14:modId xmlns:p14="http://schemas.microsoft.com/office/powerpoint/2010/main" val="4267056440"/>
+                <p14:modId xmlns:p14="http://schemas.microsoft.com/office/powerpoint/2010/main" val="230910780"/>
               </p:ext>
             </p:extLst>
           </p:nvPr>
@@ -11299,7 +11299,7 @@
                       </a:pPr>
                       <a:r>
                         <a:rPr lang="en-US" altLang="ko-KR" sz="1400"/>
-                        <a:t>CBucket_ID = 0 </a:t>
+                        <a:t>cbucket_id = 0 </a:t>
                       </a:r>
                       <a:endParaRPr lang="ko-KR" altLang="en-US" sz="1400"/>
                     </a:p>
@@ -11314,7 +11314,7 @@
                       <a:pPr algn="ctr" latinLnBrk="1"/>
                       <a:r>
                         <a:rPr lang="en-US" altLang="ko-KR" sz="1400"/>
-                        <a:t>CBucket_ID = 2 </a:t>
+                        <a:t>cbucket_id = 2 </a:t>
                       </a:r>
                       <a:endParaRPr lang="ko-KR" altLang="en-US" sz="1400"/>
                     </a:p>
@@ -11329,7 +11329,7 @@
                       <a:pPr algn="ctr" latinLnBrk="1"/>
                       <a:r>
                         <a:rPr lang="en-US" altLang="ko-KR" sz="1400"/>
-                        <a:t>CBucket_ID = 3 </a:t>
+                        <a:t>cbucket_id = 3 </a:t>
                       </a:r>
                       <a:endParaRPr lang="ko-KR" altLang="en-US" sz="1400"/>
                     </a:p>
@@ -11344,7 +11344,7 @@
                       <a:pPr algn="ctr" latinLnBrk="1"/>
                       <a:r>
                         <a:rPr lang="en-US" altLang="ko-KR" sz="1400"/>
-                        <a:t>CBucket_ID = 4 </a:t>
+                        <a:t>cbucket_id = 4 </a:t>
                       </a:r>
                       <a:endParaRPr lang="ko-KR" altLang="en-US" sz="1400"/>
                     </a:p>
@@ -11366,7 +11366,7 @@
                       <a:pPr algn="ctr" latinLnBrk="1"/>
                       <a:r>
                         <a:rPr lang="en-US" altLang="ko-KR" sz="1400"/>
-                        <a:t>CBucket_Weight</a:t>
+                        <a:t>cbucket_Weight</a:t>
                       </a:r>
                       <a:endParaRPr lang="ko-KR" altLang="en-US" sz="1400"/>
                     </a:p>
@@ -11480,7 +11480,7 @@
                       <a:pPr algn="ctr" latinLnBrk="1"/>
                       <a:r>
                         <a:rPr lang="en-US" altLang="ko-KR" sz="1400"/>
-                        <a:t>Sum_Weight</a:t>
+                        <a:t>sum_weight</a:t>
                       </a:r>
                       <a:endParaRPr lang="ko-KR" altLang="en-US" sz="1400"/>
                     </a:p>
@@ -12234,14 +12234,14 @@
             <a:pPr algn="ctr"/>
             <a:r>
               <a:rPr lang="en-US" altLang="ko-KR" sz="1100"/>
-              <a:t>CBucket_ID = 1</a:t>
+              <a:t>cbucket_id = 1</a:t>
             </a:r>
           </a:p>
           <a:p>
             <a:pPr algn="ctr"/>
             <a:r>
               <a:rPr lang="en-US" altLang="ko-KR" sz="1100"/>
-              <a:t>Weight = 1.5</a:t>
+              <a:t>weight = 1.5</a:t>
             </a:r>
             <a:endParaRPr lang="ko-KR" altLang="en-US" sz="1100"/>
           </a:p>
@@ -12291,14 +12291,14 @@
             <a:pPr algn="ctr"/>
             <a:r>
               <a:rPr lang="en-US" altLang="ko-KR" sz="1100"/>
-              <a:t>CBucket_ID = 2</a:t>
+              <a:t>cbucket_id = 2</a:t>
             </a:r>
           </a:p>
           <a:p>
             <a:pPr algn="ctr"/>
             <a:r>
               <a:rPr lang="en-US" altLang="ko-KR" sz="1100"/>
-              <a:t>Weight = 1.0</a:t>
+              <a:t>weight = 1.0</a:t>
             </a:r>
             <a:endParaRPr lang="ko-KR" altLang="en-US" sz="1100"/>
           </a:p>
@@ -12348,14 +12348,14 @@
             <a:pPr algn="ctr"/>
             <a:r>
               <a:rPr lang="en-US" altLang="ko-KR" sz="1100"/>
-              <a:t>CBucket_ID = 3</a:t>
+              <a:t>cbucket_id = 3</a:t>
             </a:r>
           </a:p>
           <a:p>
             <a:pPr algn="ctr"/>
             <a:r>
               <a:rPr lang="en-US" altLang="ko-KR" sz="1100"/>
-              <a:t>Weight = 1.5</a:t>
+              <a:t>weight = 1.5</a:t>
             </a:r>
             <a:endParaRPr lang="ko-KR" altLang="en-US" sz="1100"/>
           </a:p>
@@ -12405,14 +12405,14 @@
             <a:pPr algn="ctr"/>
             <a:r>
               <a:rPr lang="en-US" altLang="ko-KR" sz="1100"/>
-              <a:t>CBucket_ID = 4</a:t>
+              <a:t>cbucket_id = 4</a:t>
             </a:r>
           </a:p>
           <a:p>
             <a:pPr algn="ctr"/>
             <a:r>
               <a:rPr lang="en-US" altLang="ko-KR" sz="1100"/>
-              <a:t>Weight = 1.5</a:t>
+              <a:t>weight = 1.5</a:t>
             </a:r>
             <a:endParaRPr lang="ko-KR" altLang="en-US" sz="1100"/>
           </a:p>
@@ -12462,14 +12462,14 @@
             <a:pPr algn="ctr"/>
             <a:r>
               <a:rPr lang="en-US" altLang="ko-KR" sz="1100"/>
-              <a:t>CBucket_ID = 5</a:t>
+              <a:t>cbucket_id = 5</a:t>
             </a:r>
           </a:p>
           <a:p>
             <a:pPr algn="ctr"/>
             <a:r>
               <a:rPr lang="en-US" altLang="ko-KR" sz="1100"/>
-              <a:t>Weight = 0.5</a:t>
+              <a:t>weight = 0.5</a:t>
             </a:r>
           </a:p>
         </p:txBody>
@@ -12518,14 +12518,14 @@
             <a:pPr algn="ctr"/>
             <a:r>
               <a:rPr lang="en-US" altLang="ko-KR" sz="1100"/>
-              <a:t>CBucket_ID = 6</a:t>
+              <a:t>cbucket_id = 6</a:t>
             </a:r>
           </a:p>
           <a:p>
             <a:pPr algn="ctr"/>
             <a:r>
               <a:rPr lang="en-US" altLang="ko-KR" sz="1100"/>
-              <a:t>Weight = 2.0</a:t>
+              <a:t>weight = 2.0</a:t>
             </a:r>
             <a:endParaRPr lang="ko-KR" altLang="en-US" sz="1100"/>
           </a:p>
@@ -12573,7 +12573,7 @@
             <a:pPr algn="ctr"/>
             <a:r>
               <a:rPr lang="en-US" altLang="ko-KR" sz="1200"/>
-              <a:t>N = 1</a:t>
+              <a:t>n = 1</a:t>
             </a:r>
           </a:p>
         </p:txBody>
@@ -12620,7 +12620,7 @@
             <a:pPr algn="ctr"/>
             <a:r>
               <a:rPr lang="en-US" altLang="ko-KR" sz="1200"/>
-              <a:t>N =3</a:t>
+              <a:t>n =3</a:t>
             </a:r>
             <a:endParaRPr lang="ko-KR" altLang="en-US" sz="1200"/>
           </a:p>
@@ -12668,7 +12668,7 @@
             <a:pPr algn="ctr"/>
             <a:r>
               <a:rPr lang="en-US" altLang="ko-KR" sz="1200"/>
-              <a:t>N = 5</a:t>
+              <a:t>n = 5</a:t>
             </a:r>
             <a:endParaRPr lang="ko-KR" altLang="en-US" sz="1200"/>
           </a:p>
@@ -12716,7 +12716,7 @@
             <a:pPr algn="ctr"/>
             <a:r>
               <a:rPr lang="en-US" altLang="ko-KR" sz="1200"/>
-              <a:t>N = 7</a:t>
+              <a:t>n = 7</a:t>
             </a:r>
             <a:endParaRPr lang="ko-KR" altLang="en-US" sz="1200"/>
           </a:p>
@@ -12764,7 +12764,7 @@
             <a:pPr algn="ctr"/>
             <a:r>
               <a:rPr lang="en-US" altLang="ko-KR" sz="1200"/>
-              <a:t>N = 9</a:t>
+              <a:t>n = 9</a:t>
             </a:r>
             <a:endParaRPr lang="ko-KR" altLang="en-US" sz="1200"/>
           </a:p>
@@ -12812,7 +12812,7 @@
             <a:pPr algn="ctr"/>
             <a:r>
               <a:rPr lang="en-US" altLang="ko-KR" sz="1200"/>
-              <a:t>N = 11</a:t>
+              <a:t>n = 11</a:t>
             </a:r>
             <a:endParaRPr lang="ko-KR" altLang="en-US" sz="1200"/>
           </a:p>
@@ -12860,7 +12860,7 @@
             <a:pPr algn="ctr"/>
             <a:r>
               <a:rPr lang="en-US" altLang="ko-KR" sz="1200"/>
-              <a:t>N = 2</a:t>
+              <a:t>n = 2</a:t>
             </a:r>
             <a:endParaRPr lang="ko-KR" altLang="en-US" sz="1200"/>
           </a:p>
@@ -12908,7 +12908,7 @@
             <a:pPr algn="ctr"/>
             <a:r>
               <a:rPr lang="en-US" altLang="ko-KR" sz="1200"/>
-              <a:t>N = 6</a:t>
+              <a:t>n = 6</a:t>
             </a:r>
             <a:endParaRPr lang="ko-KR" altLang="en-US" sz="1200"/>
           </a:p>
@@ -12956,7 +12956,7 @@
             <a:pPr algn="ctr"/>
             <a:r>
               <a:rPr lang="en-US" altLang="ko-KR" sz="1200"/>
-              <a:t>N = 10</a:t>
+              <a:t>n = 10</a:t>
             </a:r>
             <a:endParaRPr lang="ko-KR" altLang="en-US" sz="1200"/>
           </a:p>
@@ -13004,7 +13004,7 @@
             <a:pPr algn="ctr"/>
             <a:r>
               <a:rPr lang="en-US" altLang="ko-KR" sz="1200"/>
-              <a:t>N = 4</a:t>
+              <a:t>n = 4</a:t>
             </a:r>
             <a:endParaRPr lang="ko-KR" altLang="en-US" sz="1200"/>
           </a:p>
@@ -13052,7 +13052,7 @@
             <a:pPr algn="ctr"/>
             <a:r>
               <a:rPr lang="en-US" altLang="ko-KR" sz="1200"/>
-              <a:t>N = 12</a:t>
+              <a:t>n = 12</a:t>
             </a:r>
             <a:endParaRPr lang="ko-KR" altLang="en-US" sz="1200"/>
           </a:p>
@@ -13100,7 +13100,7 @@
             <a:pPr algn="ctr"/>
             <a:r>
               <a:rPr lang="en-US" altLang="ko-KR" sz="1200"/>
-              <a:t>N = 8</a:t>
+              <a:t>n = 8</a:t>
             </a:r>
             <a:endParaRPr lang="ko-KR" altLang="en-US" sz="1200"/>
           </a:p>
@@ -14200,14 +14200,14 @@
             <a:pPr algn="ctr"/>
             <a:r>
               <a:rPr lang="en-US" altLang="ko-KR" sz="1100"/>
-              <a:t>CBucket_ID = 1</a:t>
+              <a:t>cbucket_id = 1</a:t>
             </a:r>
           </a:p>
           <a:p>
             <a:pPr algn="ctr"/>
             <a:r>
               <a:rPr lang="en-US" altLang="ko-KR" sz="1100"/>
-              <a:t>Weight = 1.5</a:t>
+              <a:t>weight = 1.5</a:t>
             </a:r>
             <a:endParaRPr lang="ko-KR" altLang="en-US" sz="1100"/>
           </a:p>
@@ -14257,14 +14257,14 @@
             <a:pPr algn="ctr"/>
             <a:r>
               <a:rPr lang="en-US" altLang="ko-KR" sz="1100"/>
-              <a:t>CBucket_ID = 2</a:t>
+              <a:t>cbucket_id = 2</a:t>
             </a:r>
           </a:p>
           <a:p>
             <a:pPr algn="ctr"/>
             <a:r>
               <a:rPr lang="en-US" altLang="ko-KR" sz="1100"/>
-              <a:t>Weight = 1.0</a:t>
+              <a:t>weight = 1.0</a:t>
             </a:r>
             <a:endParaRPr lang="ko-KR" altLang="en-US" sz="1100"/>
           </a:p>
@@ -14314,14 +14314,14 @@
             <a:pPr algn="ctr"/>
             <a:r>
               <a:rPr lang="en-US" altLang="ko-KR" sz="1100"/>
-              <a:t>CBucket_ID = 3</a:t>
+              <a:t>cbucket_id = 3</a:t>
             </a:r>
           </a:p>
           <a:p>
             <a:pPr algn="ctr"/>
             <a:r>
               <a:rPr lang="en-US" altLang="ko-KR" sz="1100"/>
-              <a:t>Weight = 1.5</a:t>
+              <a:t>weight = 1.5</a:t>
             </a:r>
             <a:endParaRPr lang="ko-KR" altLang="en-US" sz="1100"/>
           </a:p>
@@ -14371,14 +14371,14 @@
             <a:pPr algn="ctr"/>
             <a:r>
               <a:rPr lang="en-US" altLang="ko-KR" sz="1100"/>
-              <a:t>CBucket_ID = 4</a:t>
+              <a:t>cbucket_id = 4</a:t>
             </a:r>
           </a:p>
           <a:p>
             <a:pPr algn="ctr"/>
             <a:r>
               <a:rPr lang="en-US" altLang="ko-KR" sz="1100"/>
-              <a:t>Weight = 1.5</a:t>
+              <a:t>weight = 1.5</a:t>
             </a:r>
             <a:endParaRPr lang="ko-KR" altLang="en-US" sz="1100"/>
           </a:p>
@@ -14428,14 +14428,14 @@
             <a:pPr algn="ctr"/>
             <a:r>
               <a:rPr lang="en-US" altLang="ko-KR" sz="1100"/>
-              <a:t>CBucket_ID = 5</a:t>
+              <a:t>cbucket_id = 5</a:t>
             </a:r>
           </a:p>
           <a:p>
             <a:pPr algn="ctr"/>
             <a:r>
               <a:rPr lang="en-US" altLang="ko-KR" sz="1100"/>
-              <a:t>Weight = 0.5</a:t>
+              <a:t>weight = 0.5</a:t>
             </a:r>
           </a:p>
         </p:txBody>
@@ -14484,14 +14484,14 @@
             <a:pPr algn="ctr"/>
             <a:r>
               <a:rPr lang="en-US" altLang="ko-KR" sz="1100"/>
-              <a:t>CBucket_ID = 6</a:t>
+              <a:t>cbucket_id = 6</a:t>
             </a:r>
           </a:p>
           <a:p>
             <a:pPr algn="ctr"/>
             <a:r>
               <a:rPr lang="en-US" altLang="ko-KR" sz="1100"/>
-              <a:t>Weight = 2.0</a:t>
+              <a:t>weight = 2.0</a:t>
             </a:r>
             <a:endParaRPr lang="ko-KR" altLang="en-US" sz="1100"/>
           </a:p>
@@ -14539,7 +14539,7 @@
             <a:pPr algn="ctr"/>
             <a:r>
               <a:rPr lang="en-US" altLang="ko-KR" sz="1200"/>
-              <a:t>N = 1</a:t>
+              <a:t>n = 1</a:t>
             </a:r>
           </a:p>
         </p:txBody>
@@ -14586,7 +14586,7 @@
             <a:pPr algn="ctr"/>
             <a:r>
               <a:rPr lang="en-US" altLang="ko-KR" sz="1200"/>
-              <a:t>N =3</a:t>
+              <a:t>n =3</a:t>
             </a:r>
             <a:endParaRPr lang="ko-KR" altLang="en-US" sz="1200"/>
           </a:p>
@@ -14682,7 +14682,7 @@
             <a:pPr algn="ctr"/>
             <a:r>
               <a:rPr lang="en-US" altLang="ko-KR" sz="1200"/>
-              <a:t>N = 7</a:t>
+              <a:t>n = 7</a:t>
             </a:r>
             <a:endParaRPr lang="ko-KR" altLang="en-US" sz="1200"/>
           </a:p>
@@ -14730,7 +14730,7 @@
             <a:pPr algn="ctr"/>
             <a:r>
               <a:rPr lang="en-US" altLang="ko-KR" sz="1200"/>
-              <a:t>N = 9</a:t>
+              <a:t>n = 9</a:t>
             </a:r>
             <a:endParaRPr lang="ko-KR" altLang="en-US" sz="1200"/>
           </a:p>
@@ -14778,7 +14778,7 @@
             <a:pPr algn="ctr"/>
             <a:r>
               <a:rPr lang="en-US" altLang="ko-KR" sz="1200"/>
-              <a:t>N = 11</a:t>
+              <a:t>n = 11</a:t>
             </a:r>
             <a:endParaRPr lang="ko-KR" altLang="en-US" sz="1200"/>
           </a:p>
@@ -14826,7 +14826,7 @@
             <a:pPr algn="ctr"/>
             <a:r>
               <a:rPr lang="en-US" altLang="ko-KR" sz="1200"/>
-              <a:t>N = 2</a:t>
+              <a:t>n = 2</a:t>
             </a:r>
             <a:endParaRPr lang="ko-KR" altLang="en-US" sz="1200"/>
           </a:p>
@@ -14874,7 +14874,7 @@
             <a:pPr algn="ctr"/>
             <a:r>
               <a:rPr lang="en-US" altLang="ko-KR" sz="1200"/>
-              <a:t>N = 6</a:t>
+              <a:t>n = 6</a:t>
             </a:r>
             <a:endParaRPr lang="ko-KR" altLang="en-US" sz="1200"/>
           </a:p>
@@ -14922,7 +14922,7 @@
             <a:pPr algn="ctr"/>
             <a:r>
               <a:rPr lang="en-US" altLang="ko-KR" sz="1200"/>
-              <a:t>N = 10</a:t>
+              <a:t>n = 10</a:t>
             </a:r>
             <a:endParaRPr lang="ko-KR" altLang="en-US" sz="1200"/>
           </a:p>
@@ -14970,7 +14970,7 @@
             <a:pPr algn="ctr"/>
             <a:r>
               <a:rPr lang="en-US" altLang="ko-KR" sz="1200"/>
-              <a:t>N = 4</a:t>
+              <a:t>n = 4</a:t>
             </a:r>
             <a:endParaRPr lang="ko-KR" altLang="en-US" sz="1200"/>
           </a:p>
@@ -15023,7 +15023,7 @@
             <a:pPr algn="ctr"/>
             <a:r>
               <a:rPr lang="en-US" altLang="ko-KR" sz="1200"/>
-              <a:t>N = 12</a:t>
+              <a:t>n = 12</a:t>
             </a:r>
             <a:endParaRPr lang="ko-KR" altLang="en-US" sz="1200"/>
           </a:p>
@@ -15076,7 +15076,7 @@
             <a:pPr algn="ctr"/>
             <a:r>
               <a:rPr lang="en-US" altLang="ko-KR" sz="1200"/>
-              <a:t>N = 8</a:t>
+              <a:t>n = 8</a:t>
             </a:r>
             <a:endParaRPr lang="ko-KR" altLang="en-US" sz="1200"/>
           </a:p>
@@ -16133,14 +16133,14 @@
             <a:pPr algn="ctr"/>
             <a:r>
               <a:rPr lang="en-US" altLang="ko-KR" sz="1100"/>
-              <a:t>CBucket_ID = 7</a:t>
+              <a:t>cbucket_id = 7</a:t>
             </a:r>
           </a:p>
           <a:p>
             <a:pPr algn="ctr"/>
             <a:r>
               <a:rPr lang="en-US" altLang="ko-KR" sz="1100"/>
-              <a:t>Weight = 1.5</a:t>
+              <a:t>weight = 1.5</a:t>
             </a:r>
             <a:endParaRPr lang="ko-KR" altLang="en-US" sz="1100"/>
           </a:p>
@@ -16193,7 +16193,7 @@
             <a:pPr algn="ctr"/>
             <a:r>
               <a:rPr lang="en-US" altLang="ko-KR" sz="1200"/>
-              <a:t>N = 14</a:t>
+              <a:t>n = 14</a:t>
             </a:r>
             <a:endParaRPr lang="ko-KR" altLang="en-US" sz="1200"/>
           </a:p>
@@ -16246,7 +16246,7 @@
             <a:pPr algn="ctr"/>
             <a:r>
               <a:rPr lang="en-US" altLang="ko-KR" sz="1200"/>
-              <a:t>N = 13</a:t>
+              <a:t>n = 13</a:t>
             </a:r>
             <a:endParaRPr lang="ko-KR" altLang="en-US" sz="1200"/>
           </a:p>
@@ -16511,7 +16511,7 @@
           <p:nvPr>
             <p:extLst>
               <p:ext uri="{D42A27DB-BD31-4B8C-83A1-F6EECF244321}">
-                <p14:modId xmlns:p14="http://schemas.microsoft.com/office/powerpoint/2010/main" val="1568017677"/>
+                <p14:modId xmlns:p14="http://schemas.microsoft.com/office/powerpoint/2010/main" val="441567170"/>
               </p:ext>
             </p:extLst>
           </p:nvPr>
@@ -16597,7 +16597,7 @@
                       <a:pPr algn="ctr" latinLnBrk="1"/>
                       <a:r>
                         <a:rPr lang="en-US" altLang="ko-KR" sz="1400"/>
-                        <a:t>PG_ID = 0</a:t>
+                        <a:t>pg_id = 0</a:t>
                       </a:r>
                       <a:endParaRPr lang="ko-KR" altLang="en-US" sz="1400"/>
                     </a:p>
@@ -16612,7 +16612,7 @@
                       <a:pPr algn="ctr" latinLnBrk="1"/>
                       <a:r>
                         <a:rPr lang="en-US" altLang="ko-KR" sz="1400"/>
-                        <a:t>PG_ID = 1</a:t>
+                        <a:t>pg_id = 1</a:t>
                       </a:r>
                       <a:endParaRPr lang="ko-KR" altLang="en-US" sz="1400"/>
                     </a:p>
@@ -16627,7 +16627,7 @@
                       <a:pPr algn="ctr" latinLnBrk="1"/>
                       <a:r>
                         <a:rPr lang="en-US" altLang="ko-KR" sz="1400"/>
-                        <a:t>PG_ID = 2</a:t>
+                        <a:t>pg_id = 2</a:t>
                       </a:r>
                       <a:endParaRPr lang="ko-KR" altLang="en-US" sz="1400"/>
                     </a:p>
@@ -16642,7 +16642,7 @@
                       <a:pPr algn="ctr" latinLnBrk="1"/>
                       <a:r>
                         <a:rPr lang="en-US" altLang="ko-KR" sz="1400"/>
-                        <a:t>PG_ID = 3</a:t>
+                        <a:t>pg_id = 3</a:t>
                       </a:r>
                       <a:endParaRPr lang="ko-KR" altLang="en-US" sz="1400"/>
                     </a:p>
@@ -16657,7 +16657,7 @@
                       <a:pPr algn="ctr" latinLnBrk="1"/>
                       <a:r>
                         <a:rPr lang="en-US" altLang="ko-KR" sz="1400"/>
-                        <a:t>PG_ID = 4</a:t>
+                        <a:t>pg_id = 4</a:t>
                       </a:r>
                       <a:endParaRPr lang="ko-KR" altLang="en-US" sz="1400"/>
                     </a:p>
@@ -16672,7 +16672,7 @@
                       <a:pPr algn="ctr" latinLnBrk="1"/>
                       <a:r>
                         <a:rPr lang="en-US" altLang="ko-KR" sz="1400"/>
-                        <a:t>PG_ID = 5</a:t>
+                        <a:t>pg_id = 5</a:t>
                       </a:r>
                       <a:endParaRPr lang="ko-KR" altLang="en-US" sz="1400"/>
                     </a:p>
@@ -16694,7 +16694,7 @@
                       <a:pPr algn="ctr" latinLnBrk="1"/>
                       <a:r>
                         <a:rPr lang="en-US" altLang="ko-KR" sz="1400"/>
-                        <a:t>CBucket_ID = 0 </a:t>
+                        <a:t>cbucket_id = 0 </a:t>
                       </a:r>
                       <a:endParaRPr lang="ko-KR" altLang="en-US" sz="1400"/>
                     </a:p>
@@ -16822,7 +16822,7 @@
                       <a:pPr algn="ctr" latinLnBrk="1"/>
                       <a:r>
                         <a:rPr lang="en-US" altLang="ko-KR" sz="1400"/>
-                        <a:t>CBucket_ID = 1 </a:t>
+                        <a:t>cbucket_id = 1 </a:t>
                       </a:r>
                       <a:endParaRPr lang="ko-KR" altLang="en-US" sz="1400"/>
                     </a:p>
@@ -16958,7 +16958,7 @@
                       <a:pPr algn="ctr" latinLnBrk="1"/>
                       <a:r>
                         <a:rPr lang="en-US" altLang="ko-KR" sz="1400"/>
-                        <a:t>CBucket_ID = 2 </a:t>
+                        <a:t>cbucket_id = 2 </a:t>
                       </a:r>
                       <a:endParaRPr lang="ko-KR" altLang="en-US" sz="1400"/>
                     </a:p>
@@ -17078,7 +17078,7 @@
                       <a:pPr algn="ctr" latinLnBrk="1"/>
                       <a:r>
                         <a:rPr lang="en-US" altLang="ko-KR" sz="1400"/>
-                        <a:t>CBucket_ID = 3 </a:t>
+                        <a:t>cbucket_id = 3 </a:t>
                       </a:r>
                       <a:endParaRPr lang="ko-KR" altLang="en-US" sz="1400"/>
                     </a:p>
@@ -17266,7 +17266,7 @@
           <p:nvPr>
             <p:extLst>
               <p:ext uri="{D42A27DB-BD31-4B8C-83A1-F6EECF244321}">
-                <p14:modId xmlns:p14="http://schemas.microsoft.com/office/powerpoint/2010/main" val="2574096468"/>
+                <p14:modId xmlns:p14="http://schemas.microsoft.com/office/powerpoint/2010/main" val="4012660721"/>
               </p:ext>
             </p:extLst>
           </p:nvPr>
@@ -17352,7 +17352,7 @@
                       <a:pPr algn="ctr" latinLnBrk="1"/>
                       <a:r>
                         <a:rPr lang="en-US" altLang="ko-KR" sz="1400"/>
-                        <a:t>PG_ID = 0</a:t>
+                        <a:t>pg_id = 0</a:t>
                       </a:r>
                       <a:endParaRPr lang="ko-KR" altLang="en-US" sz="1400"/>
                     </a:p>
@@ -17367,7 +17367,7 @@
                       <a:pPr algn="ctr" latinLnBrk="1"/>
                       <a:r>
                         <a:rPr lang="en-US" altLang="ko-KR" sz="1400"/>
-                        <a:t>PG_ID = 1</a:t>
+                        <a:t>pg_id = 1</a:t>
                       </a:r>
                       <a:endParaRPr lang="ko-KR" altLang="en-US" sz="1400"/>
                     </a:p>
@@ -17382,7 +17382,7 @@
                       <a:pPr algn="ctr" latinLnBrk="1"/>
                       <a:r>
                         <a:rPr lang="en-US" altLang="ko-KR" sz="1400"/>
-                        <a:t>PG_ID = 2</a:t>
+                        <a:t>pg_id = 2</a:t>
                       </a:r>
                       <a:endParaRPr lang="ko-KR" altLang="en-US" sz="1400"/>
                     </a:p>
@@ -17397,7 +17397,7 @@
                       <a:pPr algn="ctr" latinLnBrk="1"/>
                       <a:r>
                         <a:rPr lang="en-US" altLang="ko-KR" sz="1400"/>
-                        <a:t>PG_ID = 3</a:t>
+                        <a:t>pg_id = 3</a:t>
                       </a:r>
                       <a:endParaRPr lang="ko-KR" altLang="en-US" sz="1400"/>
                     </a:p>
@@ -17412,7 +17412,7 @@
                       <a:pPr algn="ctr" latinLnBrk="1"/>
                       <a:r>
                         <a:rPr lang="en-US" altLang="ko-KR" sz="1400"/>
-                        <a:t>PG_ID = 4</a:t>
+                        <a:t>pg_id = 4</a:t>
                       </a:r>
                       <a:endParaRPr lang="ko-KR" altLang="en-US" sz="1400"/>
                     </a:p>
@@ -17427,7 +17427,7 @@
                       <a:pPr algn="ctr" latinLnBrk="1"/>
                       <a:r>
                         <a:rPr lang="en-US" altLang="ko-KR" sz="1400"/>
-                        <a:t>PG_ID = 5</a:t>
+                        <a:t>pg_id = 5</a:t>
                       </a:r>
                       <a:endParaRPr lang="ko-KR" altLang="en-US" sz="1400"/>
                     </a:p>
@@ -17449,7 +17449,7 @@
                       <a:pPr algn="ctr" latinLnBrk="1"/>
                       <a:r>
                         <a:rPr lang="en-US" altLang="ko-KR" sz="1400"/>
-                        <a:t>CBucket_ID = 0 </a:t>
+                        <a:t>cbucket_id = 0 </a:t>
                       </a:r>
                       <a:endParaRPr lang="ko-KR" altLang="en-US" sz="1400"/>
                     </a:p>
@@ -17577,7 +17577,7 @@
                       <a:pPr algn="ctr" latinLnBrk="1"/>
                       <a:r>
                         <a:rPr lang="en-US" altLang="ko-KR" sz="1400"/>
-                        <a:t>CBucket_ID = 1 </a:t>
+                        <a:t>cbucket_id = 1 </a:t>
                       </a:r>
                       <a:endParaRPr lang="ko-KR" altLang="en-US" sz="1400"/>
                     </a:p>
@@ -17713,7 +17713,7 @@
                       <a:pPr algn="ctr" latinLnBrk="1"/>
                       <a:r>
                         <a:rPr lang="en-US" altLang="ko-KR" sz="1400"/>
-                        <a:t>CBucket_ID = 2 </a:t>
+                        <a:t>cbucket_id = 2 </a:t>
                       </a:r>
                       <a:endParaRPr lang="ko-KR" altLang="en-US" sz="1400"/>
                     </a:p>

--- a/images/theory_analysis/Ceph_CRUSH_Map_Bucket_Type/Ceph_CRUSH.pptx
+++ b/images/theory_analysis/Ceph_CRUSH_Map_Bucket_Type/Ceph_CRUSH.pptx
@@ -218,7 +218,7 @@
           <a:p>
             <a:fld id="{6CD5550B-26C4-49A9-A5BA-636EF7BE6CE9}" type="datetimeFigureOut">
               <a:rPr lang="ko-KR" altLang="en-US" smtClean="0"/>
-              <a:t>2019-04-19</a:t>
+              <a:t>2019-04-20</a:t>
             </a:fld>
             <a:endParaRPr lang="ko-KR" altLang="en-US"/>
           </a:p>
@@ -1168,7 +1168,7 @@
           <a:p>
             <a:fld id="{FB30EDBD-1C2D-4C1E-B459-B60219FAB484}" type="datetimeFigureOut">
               <a:rPr lang="ko-KR" altLang="en-US" smtClean="0"/>
-              <a:t>2019-04-19</a:t>
+              <a:t>2019-04-20</a:t>
             </a:fld>
             <a:endParaRPr lang="ko-KR" altLang="en-US"/>
           </a:p>
@@ -1331,7 +1331,7 @@
           <a:p>
             <a:fld id="{FB30EDBD-1C2D-4C1E-B459-B60219FAB484}" type="datetimeFigureOut">
               <a:rPr lang="ko-KR" altLang="en-US" smtClean="0"/>
-              <a:t>2019-04-19</a:t>
+              <a:t>2019-04-20</a:t>
             </a:fld>
             <a:endParaRPr lang="ko-KR" altLang="en-US"/>
           </a:p>
@@ -1504,7 +1504,7 @@
           <a:p>
             <a:fld id="{FB30EDBD-1C2D-4C1E-B459-B60219FAB484}" type="datetimeFigureOut">
               <a:rPr lang="ko-KR" altLang="en-US" smtClean="0"/>
-              <a:t>2019-04-19</a:t>
+              <a:t>2019-04-20</a:t>
             </a:fld>
             <a:endParaRPr lang="ko-KR" altLang="en-US"/>
           </a:p>
@@ -1667,7 +1667,7 @@
           <a:p>
             <a:fld id="{FB30EDBD-1C2D-4C1E-B459-B60219FAB484}" type="datetimeFigureOut">
               <a:rPr lang="ko-KR" altLang="en-US" smtClean="0"/>
-              <a:t>2019-04-19</a:t>
+              <a:t>2019-04-20</a:t>
             </a:fld>
             <a:endParaRPr lang="ko-KR" altLang="en-US"/>
           </a:p>
@@ -1907,7 +1907,7 @@
           <a:p>
             <a:fld id="{FB30EDBD-1C2D-4C1E-B459-B60219FAB484}" type="datetimeFigureOut">
               <a:rPr lang="ko-KR" altLang="en-US" smtClean="0"/>
-              <a:t>2019-04-19</a:t>
+              <a:t>2019-04-20</a:t>
             </a:fld>
             <a:endParaRPr lang="ko-KR" altLang="en-US"/>
           </a:p>
@@ -2187,7 +2187,7 @@
           <a:p>
             <a:fld id="{FB30EDBD-1C2D-4C1E-B459-B60219FAB484}" type="datetimeFigureOut">
               <a:rPr lang="ko-KR" altLang="en-US" smtClean="0"/>
-              <a:t>2019-04-19</a:t>
+              <a:t>2019-04-20</a:t>
             </a:fld>
             <a:endParaRPr lang="ko-KR" altLang="en-US"/>
           </a:p>
@@ -2601,7 +2601,7 @@
           <a:p>
             <a:fld id="{FB30EDBD-1C2D-4C1E-B459-B60219FAB484}" type="datetimeFigureOut">
               <a:rPr lang="ko-KR" altLang="en-US" smtClean="0"/>
-              <a:t>2019-04-19</a:t>
+              <a:t>2019-04-20</a:t>
             </a:fld>
             <a:endParaRPr lang="ko-KR" altLang="en-US"/>
           </a:p>
@@ -2713,7 +2713,7 @@
           <a:p>
             <a:fld id="{FB30EDBD-1C2D-4C1E-B459-B60219FAB484}" type="datetimeFigureOut">
               <a:rPr lang="ko-KR" altLang="en-US" smtClean="0"/>
-              <a:t>2019-04-19</a:t>
+              <a:t>2019-04-20</a:t>
             </a:fld>
             <a:endParaRPr lang="ko-KR" altLang="en-US"/>
           </a:p>
@@ -2803,7 +2803,7 @@
           <a:p>
             <a:fld id="{FB30EDBD-1C2D-4C1E-B459-B60219FAB484}" type="datetimeFigureOut">
               <a:rPr lang="ko-KR" altLang="en-US" smtClean="0"/>
-              <a:t>2019-04-19</a:t>
+              <a:t>2019-04-20</a:t>
             </a:fld>
             <a:endParaRPr lang="ko-KR" altLang="en-US"/>
           </a:p>
@@ -3073,7 +3073,7 @@
           <a:p>
             <a:fld id="{FB30EDBD-1C2D-4C1E-B459-B60219FAB484}" type="datetimeFigureOut">
               <a:rPr lang="ko-KR" altLang="en-US" smtClean="0"/>
-              <a:t>2019-04-19</a:t>
+              <a:t>2019-04-20</a:t>
             </a:fld>
             <a:endParaRPr lang="ko-KR" altLang="en-US"/>
           </a:p>
@@ -3320,7 +3320,7 @@
           <a:p>
             <a:fld id="{FB30EDBD-1C2D-4C1E-B459-B60219FAB484}" type="datetimeFigureOut">
               <a:rPr lang="ko-KR" altLang="en-US" smtClean="0"/>
-              <a:t>2019-04-19</a:t>
+              <a:t>2019-04-20</a:t>
             </a:fld>
             <a:endParaRPr lang="ko-KR" altLang="en-US"/>
           </a:p>
@@ -3526,7 +3526,7 @@
           <a:p>
             <a:fld id="{FB30EDBD-1C2D-4C1E-B459-B60219FAB484}" type="datetimeFigureOut">
               <a:rPr lang="ko-KR" altLang="en-US" smtClean="0"/>
-              <a:t>2019-04-19</a:t>
+              <a:t>2019-04-20</a:t>
             </a:fld>
             <a:endParaRPr lang="ko-KR" altLang="en-US"/>
           </a:p>
@@ -11686,13 +11686,13 @@
           <p:nvPr>
             <p:extLst>
               <p:ext uri="{D42A27DB-BD31-4B8C-83A1-F6EECF244321}">
-                <p14:modId xmlns:p14="http://schemas.microsoft.com/office/powerpoint/2010/main" val="754826331"/>
+                <p14:modId xmlns:p14="http://schemas.microsoft.com/office/powerpoint/2010/main" val="3054303665"/>
               </p:ext>
             </p:extLst>
           </p:nvPr>
         </p:nvGraphicFramePr>
         <p:xfrm>
-          <a:off x="588608" y="771550"/>
+          <a:off x="588608" y="843558"/>
           <a:ext cx="7871824" cy="370840"/>
         </p:xfrm>
         <a:graphic>
@@ -12152,7 +12152,7 @@
         </p:nvSpPr>
         <p:spPr>
           <a:xfrm>
-            <a:off x="4378760" y="1268091"/>
+            <a:off x="4382928" y="1348841"/>
             <a:ext cx="283183" cy="358813"/>
           </a:xfrm>
           <a:prstGeom prst="downArrow">
@@ -12204,7 +12204,7 @@
         </p:nvSpPr>
         <p:spPr>
           <a:xfrm>
-            <a:off x="251520" y="4384156"/>
+            <a:off x="179512" y="4384156"/>
             <a:ext cx="1220846" cy="563858"/>
           </a:xfrm>
           <a:prstGeom prst="roundRect">
@@ -12261,7 +12261,7 @@
         </p:nvSpPr>
         <p:spPr>
           <a:xfrm>
-            <a:off x="1566241" y="4384156"/>
+            <a:off x="1494233" y="4384156"/>
             <a:ext cx="1220846" cy="563858"/>
           </a:xfrm>
           <a:prstGeom prst="roundRect">
@@ -12318,7 +12318,7 @@
         </p:nvSpPr>
         <p:spPr>
           <a:xfrm>
-            <a:off x="2880962" y="4384156"/>
+            <a:off x="2808954" y="4384156"/>
             <a:ext cx="1220846" cy="563858"/>
           </a:xfrm>
           <a:prstGeom prst="roundRect">
@@ -12375,7 +12375,7 @@
         </p:nvSpPr>
         <p:spPr>
           <a:xfrm>
-            <a:off x="4195681" y="4384156"/>
+            <a:off x="4123673" y="4384156"/>
             <a:ext cx="1220846" cy="563858"/>
           </a:xfrm>
           <a:prstGeom prst="roundRect">
@@ -12432,7 +12432,7 @@
         </p:nvSpPr>
         <p:spPr>
           <a:xfrm>
-            <a:off x="5510401" y="4384156"/>
+            <a:off x="5438393" y="4384156"/>
             <a:ext cx="1220846" cy="563858"/>
           </a:xfrm>
           <a:prstGeom prst="roundRect">
@@ -12488,7 +12488,7 @@
         </p:nvSpPr>
         <p:spPr>
           <a:xfrm>
-            <a:off x="6825123" y="4384156"/>
+            <a:off x="6753115" y="4384156"/>
             <a:ext cx="1220846" cy="563858"/>
           </a:xfrm>
           <a:prstGeom prst="roundRect">
@@ -12545,7 +12545,7 @@
         </p:nvSpPr>
         <p:spPr>
           <a:xfrm>
-            <a:off x="367365" y="3871576"/>
+            <a:off x="295357" y="3871576"/>
             <a:ext cx="989156" cy="358813"/>
           </a:xfrm>
           <a:prstGeom prst="roundRect">
@@ -12573,7 +12573,7 @@
             <a:pPr algn="ctr"/>
             <a:r>
               <a:rPr lang="en-US" altLang="ko-KR" sz="1200"/>
-              <a:t>n = 1</a:t>
+              <a:t>index = 1</a:t>
             </a:r>
           </a:p>
         </p:txBody>
@@ -12592,7 +12592,7 @@
         </p:nvSpPr>
         <p:spPr>
           <a:xfrm>
-            <a:off x="1682084" y="3871576"/>
+            <a:off x="1610076" y="3871576"/>
             <a:ext cx="989156" cy="358813"/>
           </a:xfrm>
           <a:prstGeom prst="roundRect">
@@ -12620,7 +12620,7 @@
             <a:pPr algn="ctr"/>
             <a:r>
               <a:rPr lang="en-US" altLang="ko-KR" sz="1200"/>
-              <a:t>n =3</a:t>
+              <a:t>index =3</a:t>
             </a:r>
             <a:endParaRPr lang="ko-KR" altLang="en-US" sz="1200"/>
           </a:p>
@@ -12640,7 +12640,7 @@
         </p:nvSpPr>
         <p:spPr>
           <a:xfrm>
-            <a:off x="2996805" y="3871576"/>
+            <a:off x="2924797" y="3871576"/>
             <a:ext cx="989156" cy="358813"/>
           </a:xfrm>
           <a:prstGeom prst="roundRect">
@@ -12668,7 +12668,7 @@
             <a:pPr algn="ctr"/>
             <a:r>
               <a:rPr lang="en-US" altLang="ko-KR" sz="1200"/>
-              <a:t>n = 5</a:t>
+              <a:t>index = 5</a:t>
             </a:r>
             <a:endParaRPr lang="ko-KR" altLang="en-US" sz="1200"/>
           </a:p>
@@ -12688,7 +12688,7 @@
         </p:nvSpPr>
         <p:spPr>
           <a:xfrm>
-            <a:off x="4311525" y="3871576"/>
+            <a:off x="4239517" y="3871576"/>
             <a:ext cx="989156" cy="358813"/>
           </a:xfrm>
           <a:prstGeom prst="roundRect">
@@ -12716,7 +12716,7 @@
             <a:pPr algn="ctr"/>
             <a:r>
               <a:rPr lang="en-US" altLang="ko-KR" sz="1200"/>
-              <a:t>n = 7</a:t>
+              <a:t>index = 7</a:t>
             </a:r>
             <a:endParaRPr lang="ko-KR" altLang="en-US" sz="1200"/>
           </a:p>
@@ -12736,7 +12736,7 @@
         </p:nvSpPr>
         <p:spPr>
           <a:xfrm>
-            <a:off x="5626244" y="3871576"/>
+            <a:off x="5554236" y="3871576"/>
             <a:ext cx="989156" cy="358813"/>
           </a:xfrm>
           <a:prstGeom prst="roundRect">
@@ -12764,7 +12764,7 @@
             <a:pPr algn="ctr"/>
             <a:r>
               <a:rPr lang="en-US" altLang="ko-KR" sz="1200"/>
-              <a:t>n = 9</a:t>
+              <a:t>index = 9</a:t>
             </a:r>
             <a:endParaRPr lang="ko-KR" altLang="en-US" sz="1200"/>
           </a:p>
@@ -12784,7 +12784,7 @@
         </p:nvSpPr>
         <p:spPr>
           <a:xfrm>
-            <a:off x="6940961" y="3871576"/>
+            <a:off x="6868953" y="3871576"/>
             <a:ext cx="989156" cy="358813"/>
           </a:xfrm>
           <a:prstGeom prst="roundRect">
@@ -12812,7 +12812,7 @@
             <a:pPr algn="ctr"/>
             <a:r>
               <a:rPr lang="en-US" altLang="ko-KR" sz="1200"/>
-              <a:t>n = 11</a:t>
+              <a:t>index = 11</a:t>
             </a:r>
             <a:endParaRPr lang="ko-KR" altLang="en-US" sz="1200"/>
           </a:p>
@@ -12832,7 +12832,7 @@
         </p:nvSpPr>
         <p:spPr>
           <a:xfrm>
-            <a:off x="1025538" y="3153950"/>
+            <a:off x="953530" y="3153950"/>
             <a:ext cx="989156" cy="358813"/>
           </a:xfrm>
           <a:prstGeom prst="roundRect">
@@ -12860,7 +12860,7 @@
             <a:pPr algn="ctr"/>
             <a:r>
               <a:rPr lang="en-US" altLang="ko-KR" sz="1200"/>
-              <a:t>n = 2</a:t>
+              <a:t>index = 2</a:t>
             </a:r>
             <a:endParaRPr lang="ko-KR" altLang="en-US" sz="1200"/>
           </a:p>
@@ -12880,7 +12880,7 @@
         </p:nvSpPr>
         <p:spPr>
           <a:xfrm>
-            <a:off x="3654978" y="3153950"/>
+            <a:off x="3582970" y="3153950"/>
             <a:ext cx="989156" cy="358813"/>
           </a:xfrm>
           <a:prstGeom prst="roundRect">
@@ -12908,7 +12908,7 @@
             <a:pPr algn="ctr"/>
             <a:r>
               <a:rPr lang="en-US" altLang="ko-KR" sz="1200"/>
-              <a:t>n = 6</a:t>
+              <a:t>index = 6</a:t>
             </a:r>
             <a:endParaRPr lang="ko-KR" altLang="en-US" sz="1200"/>
           </a:p>
@@ -12928,7 +12928,7 @@
         </p:nvSpPr>
         <p:spPr>
           <a:xfrm>
-            <a:off x="6284418" y="3153950"/>
+            <a:off x="6212410" y="3153950"/>
             <a:ext cx="989156" cy="358813"/>
           </a:xfrm>
           <a:prstGeom prst="roundRect">
@@ -12956,7 +12956,7 @@
             <a:pPr algn="ctr"/>
             <a:r>
               <a:rPr lang="en-US" altLang="ko-KR" sz="1200"/>
-              <a:t>n = 10</a:t>
+              <a:t>index = 10</a:t>
             </a:r>
             <a:endParaRPr lang="ko-KR" altLang="en-US" sz="1200"/>
           </a:p>
@@ -12976,7 +12976,7 @@
         </p:nvSpPr>
         <p:spPr>
           <a:xfrm>
-            <a:off x="2340257" y="2436325"/>
+            <a:off x="2268249" y="2436325"/>
             <a:ext cx="989156" cy="358813"/>
           </a:xfrm>
           <a:prstGeom prst="roundRect">
@@ -13004,7 +13004,7 @@
             <a:pPr algn="ctr"/>
             <a:r>
               <a:rPr lang="en-US" altLang="ko-KR" sz="1200"/>
-              <a:t>n = 4</a:t>
+              <a:t>index = 4</a:t>
             </a:r>
             <a:endParaRPr lang="ko-KR" altLang="en-US" sz="1200"/>
           </a:p>
@@ -13024,7 +13024,7 @@
         </p:nvSpPr>
         <p:spPr>
           <a:xfrm>
-            <a:off x="7599137" y="2436325"/>
+            <a:off x="6869093" y="2436325"/>
             <a:ext cx="989156" cy="358813"/>
           </a:xfrm>
           <a:prstGeom prst="roundRect">
@@ -13052,7 +13052,7 @@
             <a:pPr algn="ctr"/>
             <a:r>
               <a:rPr lang="en-US" altLang="ko-KR" sz="1200"/>
-              <a:t>n = 12</a:t>
+              <a:t>index = 12</a:t>
             </a:r>
             <a:endParaRPr lang="ko-KR" altLang="en-US" sz="1200"/>
           </a:p>
@@ -13072,7 +13072,7 @@
         </p:nvSpPr>
         <p:spPr>
           <a:xfrm>
-            <a:off x="4968885" y="1713014"/>
+            <a:off x="4896877" y="1713014"/>
             <a:ext cx="989156" cy="358813"/>
           </a:xfrm>
           <a:prstGeom prst="roundRect">
@@ -13100,7 +13100,7 @@
             <a:pPr algn="ctr"/>
             <a:r>
               <a:rPr lang="en-US" altLang="ko-KR" sz="1200"/>
-              <a:t>n = 8</a:t>
+              <a:t>index = 8</a:t>
             </a:r>
             <a:endParaRPr lang="ko-KR" altLang="en-US" sz="1200"/>
           </a:p>
@@ -13123,7 +13123,7 @@
         </p:nvCxnSpPr>
         <p:spPr>
           <a:xfrm flipH="1">
-            <a:off x="2834834" y="2071827"/>
+            <a:off x="2762826" y="2071827"/>
             <a:ext cx="2628629" cy="364498"/>
           </a:xfrm>
           <a:prstGeom prst="line">
@@ -13168,7 +13168,7 @@
         </p:nvCxnSpPr>
         <p:spPr>
           <a:xfrm flipH="1">
-            <a:off x="1520116" y="2795138"/>
+            <a:off x="1448108" y="2795138"/>
             <a:ext cx="1314720" cy="358813"/>
           </a:xfrm>
           <a:prstGeom prst="line">
@@ -13213,7 +13213,7 @@
         </p:nvCxnSpPr>
         <p:spPr>
           <a:xfrm>
-            <a:off x="2834834" y="2795138"/>
+            <a:off x="2762826" y="2795138"/>
             <a:ext cx="1314722" cy="358813"/>
           </a:xfrm>
           <a:prstGeom prst="line">
@@ -13258,7 +13258,7 @@
         </p:nvCxnSpPr>
         <p:spPr>
           <a:xfrm flipH="1">
-            <a:off x="861941" y="3512763"/>
+            <a:off x="789933" y="3512763"/>
             <a:ext cx="658173" cy="358813"/>
           </a:xfrm>
           <a:prstGeom prst="line">
@@ -13303,7 +13303,7 @@
         </p:nvCxnSpPr>
         <p:spPr>
           <a:xfrm>
-            <a:off x="1520116" y="3512763"/>
+            <a:off x="1448108" y="3512763"/>
             <a:ext cx="656547" cy="358813"/>
           </a:xfrm>
           <a:prstGeom prst="line">
@@ -13348,7 +13348,7 @@
         </p:nvCxnSpPr>
         <p:spPr>
           <a:xfrm flipH="1">
-            <a:off x="3491384" y="3512763"/>
+            <a:off x="3419376" y="3512763"/>
             <a:ext cx="658173" cy="358813"/>
           </a:xfrm>
           <a:prstGeom prst="line">
@@ -13393,7 +13393,7 @@
         </p:nvCxnSpPr>
         <p:spPr>
           <a:xfrm>
-            <a:off x="4149557" y="3512763"/>
+            <a:off x="4077549" y="3512763"/>
             <a:ext cx="656547" cy="358813"/>
           </a:xfrm>
           <a:prstGeom prst="line">
@@ -13438,8 +13438,8 @@
         </p:nvCxnSpPr>
         <p:spPr>
           <a:xfrm>
-            <a:off x="5463464" y="2071827"/>
-            <a:ext cx="2630251" cy="364498"/>
+            <a:off x="5391455" y="2071827"/>
+            <a:ext cx="1972216" cy="364498"/>
           </a:xfrm>
           <a:prstGeom prst="line">
             <a:avLst/>
@@ -13483,8 +13483,8 @@
         </p:nvCxnSpPr>
         <p:spPr>
           <a:xfrm flipH="1">
-            <a:off x="6778997" y="2795138"/>
-            <a:ext cx="1314720" cy="358813"/>
+            <a:off x="6706988" y="2795138"/>
+            <a:ext cx="656683" cy="358812"/>
           </a:xfrm>
           <a:prstGeom prst="line">
             <a:avLst/>
@@ -13528,7 +13528,7 @@
         </p:nvCxnSpPr>
         <p:spPr>
           <a:xfrm flipH="1">
-            <a:off x="6120823" y="3512763"/>
+            <a:off x="6048815" y="3512763"/>
             <a:ext cx="658173" cy="358813"/>
           </a:xfrm>
           <a:prstGeom prst="line">
@@ -13573,7 +13573,7 @@
         </p:nvCxnSpPr>
         <p:spPr>
           <a:xfrm>
-            <a:off x="6778997" y="3512763"/>
+            <a:off x="6706989" y="3512763"/>
             <a:ext cx="656544" cy="358813"/>
           </a:xfrm>
           <a:prstGeom prst="line">
@@ -13614,7 +13614,7 @@
         </p:nvSpPr>
         <p:spPr>
           <a:xfrm>
-            <a:off x="2014694" y="3222277"/>
+            <a:off x="1942686" y="3222277"/>
             <a:ext cx="395411" cy="230046"/>
           </a:xfrm>
           <a:prstGeom prst="rect">
@@ -13651,7 +13651,7 @@
         </p:nvSpPr>
         <p:spPr>
           <a:xfrm>
-            <a:off x="4644133" y="3222277"/>
+            <a:off x="4572125" y="3222277"/>
             <a:ext cx="395411" cy="230046"/>
           </a:xfrm>
           <a:prstGeom prst="rect">
@@ -13688,7 +13688,7 @@
         </p:nvSpPr>
         <p:spPr>
           <a:xfrm>
-            <a:off x="3329412" y="2497866"/>
+            <a:off x="3257404" y="2497866"/>
             <a:ext cx="395411" cy="230046"/>
           </a:xfrm>
           <a:prstGeom prst="rect">
@@ -13725,7 +13725,7 @@
         </p:nvSpPr>
         <p:spPr>
           <a:xfrm>
-            <a:off x="8588294" y="2497866"/>
+            <a:off x="6480845" y="2497866"/>
             <a:ext cx="395411" cy="230046"/>
           </a:xfrm>
           <a:prstGeom prst="rect">
@@ -13762,7 +13762,7 @@
         </p:nvSpPr>
         <p:spPr>
           <a:xfrm>
-            <a:off x="7288233" y="3204312"/>
+            <a:off x="5796136" y="3204312"/>
             <a:ext cx="395411" cy="230046"/>
           </a:xfrm>
           <a:prstGeom prst="rect">
@@ -13799,7 +13799,7 @@
         </p:nvSpPr>
         <p:spPr>
           <a:xfrm>
-            <a:off x="5958041" y="1772326"/>
+            <a:off x="5886033" y="1772326"/>
             <a:ext cx="395411" cy="230046"/>
           </a:xfrm>
           <a:prstGeom prst="rect">
@@ -13840,7 +13840,7 @@
         </p:nvCxnSpPr>
         <p:spPr>
           <a:xfrm>
-            <a:off x="861942" y="4230389"/>
+            <a:off x="789934" y="4230389"/>
             <a:ext cx="0" cy="153767"/>
           </a:xfrm>
           <a:prstGeom prst="line">
@@ -13885,7 +13885,7 @@
         </p:nvCxnSpPr>
         <p:spPr>
           <a:xfrm>
-            <a:off x="2176661" y="4230389"/>
+            <a:off x="2104653" y="4230389"/>
             <a:ext cx="2" cy="153767"/>
           </a:xfrm>
           <a:prstGeom prst="line">
@@ -13930,7 +13930,7 @@
         </p:nvCxnSpPr>
         <p:spPr>
           <a:xfrm>
-            <a:off x="4806103" y="4230389"/>
+            <a:off x="4734095" y="4230389"/>
             <a:ext cx="2" cy="153767"/>
           </a:xfrm>
           <a:prstGeom prst="line">
@@ -13975,7 +13975,7 @@
         </p:nvCxnSpPr>
         <p:spPr>
           <a:xfrm>
-            <a:off x="6120823" y="4230389"/>
+            <a:off x="6048815" y="4230389"/>
             <a:ext cx="2" cy="153767"/>
           </a:xfrm>
           <a:prstGeom prst="line">
@@ -14020,7 +14020,7 @@
         </p:nvCxnSpPr>
         <p:spPr>
           <a:xfrm>
-            <a:off x="7435540" y="4230389"/>
+            <a:off x="7363532" y="4230389"/>
             <a:ext cx="7" cy="153767"/>
           </a:xfrm>
           <a:prstGeom prst="line">
@@ -14065,7 +14065,7 @@
         </p:nvCxnSpPr>
         <p:spPr>
           <a:xfrm>
-            <a:off x="3565998" y="4230389"/>
+            <a:off x="3493990" y="4230389"/>
             <a:ext cx="2" cy="153767"/>
           </a:xfrm>
           <a:prstGeom prst="line">
@@ -14092,6 +14092,478 @@
           </a:fontRef>
         </p:style>
       </p:cxnSp>
+      <mc:AlternateContent xmlns:mc="http://schemas.openxmlformats.org/markup-compatibility/2006">
+        <mc:Choice xmlns:a14="http://schemas.microsoft.com/office/drawing/2010/main" Requires="a14">
+          <p:sp>
+            <p:nvSpPr>
+              <p:cNvPr id="49" name="TextBox 48">
+                <a:extLst>
+                  <a:ext uri="{FF2B5EF4-FFF2-40B4-BE49-F238E27FC236}">
+                    <a16:creationId xmlns:a16="http://schemas.microsoft.com/office/drawing/2014/main" id="{EB6E20F4-493F-4EF1-B3B7-9A86C252395E}"/>
+                  </a:ext>
+                </a:extLst>
+              </p:cNvPr>
+              <p:cNvSpPr txBox="1"/>
+              <p:nvPr/>
+            </p:nvSpPr>
+            <p:spPr>
+              <a:xfrm>
+                <a:off x="7812367" y="3894690"/>
+                <a:ext cx="1296137" cy="312586"/>
+              </a:xfrm>
+              <a:prstGeom prst="rect">
+                <a:avLst/>
+              </a:prstGeom>
+              <a:noFill/>
+            </p:spPr>
+            <p:txBody>
+              <a:bodyPr wrap="square" rtlCol="0" anchor="ctr">
+                <a:spAutoFit/>
+              </a:bodyPr>
+              <a:lstStyle/>
+              <a:p>
+                <a:pPr algn="ctr"/>
+                <a:r>
+                  <a:rPr lang="en-US" altLang="ko-KR" sz="1400" b="1"/>
+                  <a:t>(Odd)</a:t>
+                </a:r>
+                <a:r>
+                  <a:rPr lang="en-US" altLang="ko-KR" sz="1400"/>
+                  <a:t>×</a:t>
+                </a:r>
+                <a14:m>
+                  <m:oMath xmlns:m="http://schemas.openxmlformats.org/officeDocument/2006/math">
+                    <m:sSup>
+                      <m:sSupPr>
+                        <m:ctrlPr>
+                          <a:rPr lang="en-US" altLang="ko-KR" sz="1400" b="1" i="1" smtClean="0">
+                            <a:latin typeface="Cambria Math" panose="02040503050406030204" pitchFamily="18" charset="0"/>
+                          </a:rPr>
+                        </m:ctrlPr>
+                      </m:sSupPr>
+                      <m:e>
+                        <m:r>
+                          <a:rPr lang="en-US" altLang="ko-KR" sz="1400" b="1" i="1" smtClean="0">
+                            <a:latin typeface="Cambria Math" panose="02040503050406030204" pitchFamily="18" charset="0"/>
+                          </a:rPr>
+                          <m:t>𝟐</m:t>
+                        </m:r>
+                      </m:e>
+                      <m:sup>
+                        <m:r>
+                          <a:rPr lang="en-US" altLang="ko-KR" sz="1400" b="1" i="1" smtClean="0">
+                            <a:latin typeface="Cambria Math" panose="02040503050406030204" pitchFamily="18" charset="0"/>
+                          </a:rPr>
+                          <m:t>𝟎</m:t>
+                        </m:r>
+                      </m:sup>
+                    </m:sSup>
+                  </m:oMath>
+                </a14:m>
+                <a:endParaRPr lang="ko-KR" altLang="en-US" sz="1400" b="1"/>
+              </a:p>
+            </p:txBody>
+          </p:sp>
+        </mc:Choice>
+        <mc:Fallback>
+          <p:sp>
+            <p:nvSpPr>
+              <p:cNvPr id="49" name="TextBox 48">
+                <a:extLst>
+                  <a:ext uri="{FF2B5EF4-FFF2-40B4-BE49-F238E27FC236}">
+                    <a16:creationId xmlns:a16="http://schemas.microsoft.com/office/drawing/2014/main" id="{EB6E20F4-493F-4EF1-B3B7-9A86C252395E}"/>
+                  </a:ext>
+                </a:extLst>
+              </p:cNvPr>
+              <p:cNvSpPr txBox="1">
+                <a:spLocks noRot="1" noChangeAspect="1" noMove="1" noResize="1" noEditPoints="1" noAdjustHandles="1" noChangeArrowheads="1" noChangeShapeType="1" noTextEdit="1"/>
+              </p:cNvSpPr>
+              <p:nvPr/>
+            </p:nvSpPr>
+            <p:spPr>
+              <a:xfrm>
+                <a:off x="7812367" y="3894690"/>
+                <a:ext cx="1296137" cy="312586"/>
+              </a:xfrm>
+              <a:prstGeom prst="rect">
+                <a:avLst/>
+              </a:prstGeom>
+              <a:blipFill>
+                <a:blip r:embed="rId3"/>
+                <a:stretch>
+                  <a:fillRect t="-3922" b="-19608"/>
+                </a:stretch>
+              </a:blipFill>
+            </p:spPr>
+            <p:txBody>
+              <a:bodyPr/>
+              <a:lstStyle/>
+              <a:p>
+                <a:r>
+                  <a:rPr lang="ko-KR" altLang="en-US">
+                    <a:noFill/>
+                  </a:rPr>
+                  <a:t> </a:t>
+                </a:r>
+              </a:p>
+            </p:txBody>
+          </p:sp>
+        </mc:Fallback>
+      </mc:AlternateContent>
+      <mc:AlternateContent xmlns:mc="http://schemas.openxmlformats.org/markup-compatibility/2006">
+        <mc:Choice xmlns:a14="http://schemas.microsoft.com/office/drawing/2010/main" Requires="a14">
+          <p:sp>
+            <p:nvSpPr>
+              <p:cNvPr id="51" name="TextBox 50">
+                <a:extLst>
+                  <a:ext uri="{FF2B5EF4-FFF2-40B4-BE49-F238E27FC236}">
+                    <a16:creationId xmlns:a16="http://schemas.microsoft.com/office/drawing/2014/main" id="{67AAAC36-A25F-4E8C-B0D7-D0920A29A2AC}"/>
+                  </a:ext>
+                </a:extLst>
+              </p:cNvPr>
+              <p:cNvSpPr txBox="1"/>
+              <p:nvPr/>
+            </p:nvSpPr>
+            <p:spPr>
+              <a:xfrm>
+                <a:off x="7812367" y="3177064"/>
+                <a:ext cx="1296137" cy="312586"/>
+              </a:xfrm>
+              <a:prstGeom prst="rect">
+                <a:avLst/>
+              </a:prstGeom>
+              <a:noFill/>
+            </p:spPr>
+            <p:txBody>
+              <a:bodyPr wrap="square" rtlCol="0" anchor="ctr">
+                <a:spAutoFit/>
+              </a:bodyPr>
+              <a:lstStyle/>
+              <a:p>
+                <a:pPr algn="ctr"/>
+                <a:r>
+                  <a:rPr lang="en-US" altLang="ko-KR" sz="1400" b="1"/>
+                  <a:t>(Odd)</a:t>
+                </a:r>
+                <a:r>
+                  <a:rPr lang="en-US" altLang="ko-KR" sz="1400"/>
+                  <a:t>×</a:t>
+                </a:r>
+                <a14:m>
+                  <m:oMath xmlns:m="http://schemas.openxmlformats.org/officeDocument/2006/math">
+                    <m:sSup>
+                      <m:sSupPr>
+                        <m:ctrlPr>
+                          <a:rPr lang="en-US" altLang="ko-KR" sz="1400" b="1" i="1" smtClean="0">
+                            <a:latin typeface="Cambria Math" panose="02040503050406030204" pitchFamily="18" charset="0"/>
+                          </a:rPr>
+                        </m:ctrlPr>
+                      </m:sSupPr>
+                      <m:e>
+                        <m:r>
+                          <a:rPr lang="en-US" altLang="ko-KR" sz="1400" b="1" i="1" smtClean="0">
+                            <a:latin typeface="Cambria Math" panose="02040503050406030204" pitchFamily="18" charset="0"/>
+                          </a:rPr>
+                          <m:t>𝟐</m:t>
+                        </m:r>
+                      </m:e>
+                      <m:sup>
+                        <m:r>
+                          <a:rPr lang="en-US" altLang="ko-KR" sz="1400" b="1" i="1" smtClean="0">
+                            <a:latin typeface="Cambria Math" panose="02040503050406030204" pitchFamily="18" charset="0"/>
+                          </a:rPr>
+                          <m:t>𝟏</m:t>
+                        </m:r>
+                      </m:sup>
+                    </m:sSup>
+                  </m:oMath>
+                </a14:m>
+                <a:endParaRPr lang="ko-KR" altLang="en-US" sz="1400" b="1"/>
+              </a:p>
+            </p:txBody>
+          </p:sp>
+        </mc:Choice>
+        <mc:Fallback>
+          <p:sp>
+            <p:nvSpPr>
+              <p:cNvPr id="51" name="TextBox 50">
+                <a:extLst>
+                  <a:ext uri="{FF2B5EF4-FFF2-40B4-BE49-F238E27FC236}">
+                    <a16:creationId xmlns:a16="http://schemas.microsoft.com/office/drawing/2014/main" id="{67AAAC36-A25F-4E8C-B0D7-D0920A29A2AC}"/>
+                  </a:ext>
+                </a:extLst>
+              </p:cNvPr>
+              <p:cNvSpPr txBox="1">
+                <a:spLocks noRot="1" noChangeAspect="1" noMove="1" noResize="1" noEditPoints="1" noAdjustHandles="1" noChangeArrowheads="1" noChangeShapeType="1" noTextEdit="1"/>
+              </p:cNvSpPr>
+              <p:nvPr/>
+            </p:nvSpPr>
+            <p:spPr>
+              <a:xfrm>
+                <a:off x="7812367" y="3177064"/>
+                <a:ext cx="1296137" cy="312586"/>
+              </a:xfrm>
+              <a:prstGeom prst="rect">
+                <a:avLst/>
+              </a:prstGeom>
+              <a:blipFill>
+                <a:blip r:embed="rId4"/>
+                <a:stretch>
+                  <a:fillRect t="-1961" b="-19608"/>
+                </a:stretch>
+              </a:blipFill>
+            </p:spPr>
+            <p:txBody>
+              <a:bodyPr/>
+              <a:lstStyle/>
+              <a:p>
+                <a:r>
+                  <a:rPr lang="ko-KR" altLang="en-US">
+                    <a:noFill/>
+                  </a:rPr>
+                  <a:t> </a:t>
+                </a:r>
+              </a:p>
+            </p:txBody>
+          </p:sp>
+        </mc:Fallback>
+      </mc:AlternateContent>
+      <mc:AlternateContent xmlns:mc="http://schemas.openxmlformats.org/markup-compatibility/2006">
+        <mc:Choice xmlns:a14="http://schemas.microsoft.com/office/drawing/2010/main" Requires="a14">
+          <p:sp>
+            <p:nvSpPr>
+              <p:cNvPr id="54" name="TextBox 53">
+                <a:extLst>
+                  <a:ext uri="{FF2B5EF4-FFF2-40B4-BE49-F238E27FC236}">
+                    <a16:creationId xmlns:a16="http://schemas.microsoft.com/office/drawing/2014/main" id="{16A67655-762A-45D1-87D5-F38A7E9C9A82}"/>
+                  </a:ext>
+                </a:extLst>
+              </p:cNvPr>
+              <p:cNvSpPr txBox="1"/>
+              <p:nvPr/>
+            </p:nvSpPr>
+            <p:spPr>
+              <a:xfrm>
+                <a:off x="7812367" y="2451895"/>
+                <a:ext cx="1296137" cy="312586"/>
+              </a:xfrm>
+              <a:prstGeom prst="rect">
+                <a:avLst/>
+              </a:prstGeom>
+              <a:noFill/>
+            </p:spPr>
+            <p:txBody>
+              <a:bodyPr wrap="square" rtlCol="0" anchor="ctr">
+                <a:spAutoFit/>
+              </a:bodyPr>
+              <a:lstStyle/>
+              <a:p>
+                <a:pPr algn="ctr"/>
+                <a:r>
+                  <a:rPr lang="en-US" altLang="ko-KR" sz="1400" b="1"/>
+                  <a:t>(Odd)</a:t>
+                </a:r>
+                <a:r>
+                  <a:rPr lang="en-US" altLang="ko-KR" sz="1400"/>
+                  <a:t>×</a:t>
+                </a:r>
+                <a14:m>
+                  <m:oMath xmlns:m="http://schemas.openxmlformats.org/officeDocument/2006/math">
+                    <m:sSup>
+                      <m:sSupPr>
+                        <m:ctrlPr>
+                          <a:rPr lang="en-US" altLang="ko-KR" sz="1400" b="1" i="1" smtClean="0">
+                            <a:latin typeface="Cambria Math" panose="02040503050406030204" pitchFamily="18" charset="0"/>
+                          </a:rPr>
+                        </m:ctrlPr>
+                      </m:sSupPr>
+                      <m:e>
+                        <m:r>
+                          <a:rPr lang="en-US" altLang="ko-KR" sz="1400" b="1" i="1" smtClean="0">
+                            <a:latin typeface="Cambria Math" panose="02040503050406030204" pitchFamily="18" charset="0"/>
+                          </a:rPr>
+                          <m:t>𝟐</m:t>
+                        </m:r>
+                      </m:e>
+                      <m:sup>
+                        <m:r>
+                          <a:rPr lang="en-US" altLang="ko-KR" sz="1400" b="1" i="1" smtClean="0">
+                            <a:latin typeface="Cambria Math" panose="02040503050406030204" pitchFamily="18" charset="0"/>
+                          </a:rPr>
+                          <m:t>𝟐</m:t>
+                        </m:r>
+                      </m:sup>
+                    </m:sSup>
+                  </m:oMath>
+                </a14:m>
+                <a:endParaRPr lang="ko-KR" altLang="en-US" sz="1400" b="1"/>
+              </a:p>
+            </p:txBody>
+          </p:sp>
+        </mc:Choice>
+        <mc:Fallback>
+          <p:sp>
+            <p:nvSpPr>
+              <p:cNvPr id="54" name="TextBox 53">
+                <a:extLst>
+                  <a:ext uri="{FF2B5EF4-FFF2-40B4-BE49-F238E27FC236}">
+                    <a16:creationId xmlns:a16="http://schemas.microsoft.com/office/drawing/2014/main" id="{16A67655-762A-45D1-87D5-F38A7E9C9A82}"/>
+                  </a:ext>
+                </a:extLst>
+              </p:cNvPr>
+              <p:cNvSpPr txBox="1">
+                <a:spLocks noRot="1" noChangeAspect="1" noMove="1" noResize="1" noEditPoints="1" noAdjustHandles="1" noChangeArrowheads="1" noChangeShapeType="1" noTextEdit="1"/>
+              </p:cNvSpPr>
+              <p:nvPr/>
+            </p:nvSpPr>
+            <p:spPr>
+              <a:xfrm>
+                <a:off x="7812367" y="2451895"/>
+                <a:ext cx="1296137" cy="312586"/>
+              </a:xfrm>
+              <a:prstGeom prst="rect">
+                <a:avLst/>
+              </a:prstGeom>
+              <a:blipFill>
+                <a:blip r:embed="rId5"/>
+                <a:stretch>
+                  <a:fillRect t="-1961" b="-19608"/>
+                </a:stretch>
+              </a:blipFill>
+            </p:spPr>
+            <p:txBody>
+              <a:bodyPr/>
+              <a:lstStyle/>
+              <a:p>
+                <a:r>
+                  <a:rPr lang="ko-KR" altLang="en-US">
+                    <a:noFill/>
+                  </a:rPr>
+                  <a:t> </a:t>
+                </a:r>
+              </a:p>
+            </p:txBody>
+          </p:sp>
+        </mc:Fallback>
+      </mc:AlternateContent>
+      <mc:AlternateContent xmlns:mc="http://schemas.openxmlformats.org/markup-compatibility/2006">
+        <mc:Choice xmlns:a14="http://schemas.microsoft.com/office/drawing/2010/main" Requires="a14">
+          <p:sp>
+            <p:nvSpPr>
+              <p:cNvPr id="57" name="TextBox 56">
+                <a:extLst>
+                  <a:ext uri="{FF2B5EF4-FFF2-40B4-BE49-F238E27FC236}">
+                    <a16:creationId xmlns:a16="http://schemas.microsoft.com/office/drawing/2014/main" id="{F7CCED46-C0A3-4718-89F0-8E9FF3AA7712}"/>
+                  </a:ext>
+                </a:extLst>
+              </p:cNvPr>
+              <p:cNvSpPr txBox="1"/>
+              <p:nvPr/>
+            </p:nvSpPr>
+            <p:spPr>
+              <a:xfrm>
+                <a:off x="7812367" y="1726726"/>
+                <a:ext cx="1296137" cy="312586"/>
+              </a:xfrm>
+              <a:prstGeom prst="rect">
+                <a:avLst/>
+              </a:prstGeom>
+              <a:noFill/>
+            </p:spPr>
+            <p:txBody>
+              <a:bodyPr wrap="square" rtlCol="0" anchor="ctr">
+                <a:spAutoFit/>
+              </a:bodyPr>
+              <a:lstStyle/>
+              <a:p>
+                <a:pPr algn="ctr"/>
+                <a:r>
+                  <a:rPr lang="en-US" altLang="ko-KR" sz="1400" b="1"/>
+                  <a:t>(Odd)</a:t>
+                </a:r>
+                <a:r>
+                  <a:rPr lang="en-US" altLang="ko-KR" sz="1400"/>
+                  <a:t>×</a:t>
+                </a:r>
+                <a14:m>
+                  <m:oMath xmlns:m="http://schemas.openxmlformats.org/officeDocument/2006/math">
+                    <m:sSup>
+                      <m:sSupPr>
+                        <m:ctrlPr>
+                          <a:rPr lang="en-US" altLang="ko-KR" sz="1400" b="1" i="1" smtClean="0">
+                            <a:latin typeface="Cambria Math" panose="02040503050406030204" pitchFamily="18" charset="0"/>
+                          </a:rPr>
+                        </m:ctrlPr>
+                      </m:sSupPr>
+                      <m:e>
+                        <m:r>
+                          <a:rPr lang="en-US" altLang="ko-KR" sz="1400" b="1" i="1" smtClean="0">
+                            <a:latin typeface="Cambria Math" panose="02040503050406030204" pitchFamily="18" charset="0"/>
+                          </a:rPr>
+                          <m:t>𝟐</m:t>
+                        </m:r>
+                      </m:e>
+                      <m:sup>
+                        <m:r>
+                          <a:rPr lang="en-US" altLang="ko-KR" sz="1400" b="1" i="1" smtClean="0">
+                            <a:latin typeface="Cambria Math" panose="02040503050406030204" pitchFamily="18" charset="0"/>
+                          </a:rPr>
+                          <m:t>𝟑</m:t>
+                        </m:r>
+                      </m:sup>
+                    </m:sSup>
+                  </m:oMath>
+                </a14:m>
+                <a:endParaRPr lang="ko-KR" altLang="en-US" sz="1400" b="1"/>
+              </a:p>
+            </p:txBody>
+          </p:sp>
+        </mc:Choice>
+        <mc:Fallback>
+          <p:sp>
+            <p:nvSpPr>
+              <p:cNvPr id="57" name="TextBox 56">
+                <a:extLst>
+                  <a:ext uri="{FF2B5EF4-FFF2-40B4-BE49-F238E27FC236}">
+                    <a16:creationId xmlns:a16="http://schemas.microsoft.com/office/drawing/2014/main" id="{F7CCED46-C0A3-4718-89F0-8E9FF3AA7712}"/>
+                  </a:ext>
+                </a:extLst>
+              </p:cNvPr>
+              <p:cNvSpPr txBox="1">
+                <a:spLocks noRot="1" noChangeAspect="1" noMove="1" noResize="1" noEditPoints="1" noAdjustHandles="1" noChangeArrowheads="1" noChangeShapeType="1" noTextEdit="1"/>
+              </p:cNvSpPr>
+              <p:nvPr/>
+            </p:nvSpPr>
+            <p:spPr>
+              <a:xfrm>
+                <a:off x="7812367" y="1726726"/>
+                <a:ext cx="1296137" cy="312586"/>
+              </a:xfrm>
+              <a:prstGeom prst="rect">
+                <a:avLst/>
+              </a:prstGeom>
+              <a:blipFill>
+                <a:blip r:embed="rId6"/>
+                <a:stretch>
+                  <a:fillRect t="-1923" b="-17308"/>
+                </a:stretch>
+              </a:blipFill>
+            </p:spPr>
+            <p:txBody>
+              <a:bodyPr/>
+              <a:lstStyle/>
+              <a:p>
+                <a:r>
+                  <a:rPr lang="ko-KR" altLang="en-US">
+                    <a:noFill/>
+                  </a:rPr>
+                  <a:t> </a:t>
+                </a:r>
+              </a:p>
+            </p:txBody>
+          </p:sp>
+        </mc:Fallback>
+      </mc:AlternateContent>
     </p:spTree>
     <p:extLst>
       <p:ext uri="{BB962C8B-B14F-4D97-AF65-F5344CB8AC3E}">
@@ -14539,7 +15011,7 @@
             <a:pPr algn="ctr"/>
             <a:r>
               <a:rPr lang="en-US" altLang="ko-KR" sz="1200"/>
-              <a:t>n = 1</a:t>
+              <a:t>index = 1</a:t>
             </a:r>
           </a:p>
         </p:txBody>
@@ -14586,7 +15058,7 @@
             <a:pPr algn="ctr"/>
             <a:r>
               <a:rPr lang="en-US" altLang="ko-KR" sz="1200"/>
-              <a:t>n =3</a:t>
+              <a:t>index =3</a:t>
             </a:r>
             <a:endParaRPr lang="ko-KR" altLang="en-US" sz="1200"/>
           </a:p>
@@ -14634,7 +15106,7 @@
             <a:pPr algn="ctr"/>
             <a:r>
               <a:rPr lang="en-US" altLang="ko-KR" sz="1200"/>
-              <a:t>N = 5</a:t>
+              <a:t>index = 5</a:t>
             </a:r>
             <a:endParaRPr lang="ko-KR" altLang="en-US" sz="1200"/>
           </a:p>
@@ -14682,7 +15154,7 @@
             <a:pPr algn="ctr"/>
             <a:r>
               <a:rPr lang="en-US" altLang="ko-KR" sz="1200"/>
-              <a:t>n = 7</a:t>
+              <a:t>index = 7</a:t>
             </a:r>
             <a:endParaRPr lang="ko-KR" altLang="en-US" sz="1200"/>
           </a:p>
@@ -14730,7 +15202,7 @@
             <a:pPr algn="ctr"/>
             <a:r>
               <a:rPr lang="en-US" altLang="ko-KR" sz="1200"/>
-              <a:t>n = 9</a:t>
+              <a:t>index = 9</a:t>
             </a:r>
             <a:endParaRPr lang="ko-KR" altLang="en-US" sz="1200"/>
           </a:p>
@@ -14778,7 +15250,7 @@
             <a:pPr algn="ctr"/>
             <a:r>
               <a:rPr lang="en-US" altLang="ko-KR" sz="1200"/>
-              <a:t>n = 11</a:t>
+              <a:t>index = 11</a:t>
             </a:r>
             <a:endParaRPr lang="ko-KR" altLang="en-US" sz="1200"/>
           </a:p>
@@ -14826,7 +15298,7 @@
             <a:pPr algn="ctr"/>
             <a:r>
               <a:rPr lang="en-US" altLang="ko-KR" sz="1200"/>
-              <a:t>n = 2</a:t>
+              <a:t>index = 2</a:t>
             </a:r>
             <a:endParaRPr lang="ko-KR" altLang="en-US" sz="1200"/>
           </a:p>
@@ -14874,7 +15346,7 @@
             <a:pPr algn="ctr"/>
             <a:r>
               <a:rPr lang="en-US" altLang="ko-KR" sz="1200"/>
-              <a:t>n = 6</a:t>
+              <a:t>index = 6</a:t>
             </a:r>
             <a:endParaRPr lang="ko-KR" altLang="en-US" sz="1200"/>
           </a:p>
@@ -14922,7 +15394,7 @@
             <a:pPr algn="ctr"/>
             <a:r>
               <a:rPr lang="en-US" altLang="ko-KR" sz="1200"/>
-              <a:t>n = 10</a:t>
+              <a:t>index = 10</a:t>
             </a:r>
             <a:endParaRPr lang="ko-KR" altLang="en-US" sz="1200"/>
           </a:p>
@@ -14970,7 +15442,7 @@
             <a:pPr algn="ctr"/>
             <a:r>
               <a:rPr lang="en-US" altLang="ko-KR" sz="1200"/>
-              <a:t>n = 4</a:t>
+              <a:t>index = 4</a:t>
             </a:r>
             <a:endParaRPr lang="ko-KR" altLang="en-US" sz="1200"/>
           </a:p>
@@ -15023,7 +15495,7 @@
             <a:pPr algn="ctr"/>
             <a:r>
               <a:rPr lang="en-US" altLang="ko-KR" sz="1200"/>
-              <a:t>n = 12</a:t>
+              <a:t>index = 12</a:t>
             </a:r>
             <a:endParaRPr lang="ko-KR" altLang="en-US" sz="1200"/>
           </a:p>
@@ -15076,7 +15548,7 @@
             <a:pPr algn="ctr"/>
             <a:r>
               <a:rPr lang="en-US" altLang="ko-KR" sz="1200"/>
-              <a:t>n = 8</a:t>
+              <a:t>index = 8</a:t>
             </a:r>
             <a:endParaRPr lang="ko-KR" altLang="en-US" sz="1200"/>
           </a:p>
@@ -15701,8 +16173,8 @@
         </p:nvSpPr>
         <p:spPr>
           <a:xfrm>
-            <a:off x="8343528" y="1892966"/>
-            <a:ext cx="395411" cy="276999"/>
+            <a:off x="6940550" y="1892966"/>
+            <a:ext cx="422175" cy="276999"/>
           </a:xfrm>
           <a:prstGeom prst="rect">
             <a:avLst/>
@@ -15722,7 +16194,7 @@
                   <a:srgbClr val="C00000"/>
                 </a:solidFill>
               </a:rPr>
-              <a:t>4</a:t>
+              <a:t>4.0</a:t>
             </a:r>
             <a:endParaRPr lang="ko-KR" altLang="en-US" sz="1200" b="1">
               <a:solidFill>
@@ -15746,7 +16218,7 @@
         </p:nvSpPr>
         <p:spPr>
           <a:xfrm>
-            <a:off x="7043467" y="2622888"/>
+            <a:off x="5652120" y="2622888"/>
             <a:ext cx="395411" cy="230046"/>
           </a:xfrm>
           <a:prstGeom prst="rect">
@@ -16193,7 +16665,7 @@
             <a:pPr algn="ctr"/>
             <a:r>
               <a:rPr lang="en-US" altLang="ko-KR" sz="1200"/>
-              <a:t>n = 14</a:t>
+              <a:t>index = 14</a:t>
             </a:r>
             <a:endParaRPr lang="ko-KR" altLang="en-US" sz="1200"/>
           </a:p>
@@ -16246,7 +16718,7 @@
             <a:pPr algn="ctr"/>
             <a:r>
               <a:rPr lang="en-US" altLang="ko-KR" sz="1200"/>
-              <a:t>n = 13</a:t>
+              <a:t>index = 13</a:t>
             </a:r>
             <a:endParaRPr lang="ko-KR" altLang="en-US" sz="1200"/>
           </a:p>
@@ -16311,7 +16783,7 @@
         </p:nvSpPr>
         <p:spPr>
           <a:xfrm>
-            <a:off x="8646997" y="2599412"/>
+            <a:off x="7220328" y="2613432"/>
             <a:ext cx="467066" cy="276999"/>
           </a:xfrm>
           <a:prstGeom prst="rect">

--- a/images/theory_analysis/Ceph_CRUSH_Map_Bucket_Type/Ceph_CRUSH.pptx
+++ b/images/theory_analysis/Ceph_CRUSH_Map_Bucket_Type/Ceph_CRUSH.pptx
@@ -5,7 +5,7 @@
     <p:sldMasterId id="2147483648" r:id="rId1"/>
   </p:sldMasterIdLst>
   <p:notesMasterIdLst>
-    <p:notesMasterId r:id="rId8"/>
+    <p:notesMasterId r:id="rId9"/>
   </p:notesMasterIdLst>
   <p:sldIdLst>
     <p:sldId id="418" r:id="rId2"/>
@@ -13,7 +13,8 @@
     <p:sldId id="425" r:id="rId4"/>
     <p:sldId id="428" r:id="rId5"/>
     <p:sldId id="429" r:id="rId6"/>
-    <p:sldId id="427" r:id="rId7"/>
+    <p:sldId id="430" r:id="rId7"/>
+    <p:sldId id="427" r:id="rId8"/>
   </p:sldIdLst>
   <p:sldSz cx="9144000" cy="5143500" type="screen16x9"/>
   <p:notesSz cx="6858000" cy="9144000"/>
@@ -971,6 +972,90 @@
             <a:fld id="{BA5DFA43-8D57-47FB-BC46-057616015C3B}" type="slidenum">
               <a:rPr lang="ko-KR" altLang="en-US" smtClean="0"/>
               <a:t>6</a:t>
+            </a:fld>
+            <a:endParaRPr lang="ko-KR" altLang="en-US"/>
+          </a:p>
+        </p:txBody>
+      </p:sp>
+    </p:spTree>
+    <p:extLst>
+      <p:ext uri="{BB962C8B-B14F-4D97-AF65-F5344CB8AC3E}">
+        <p14:creationId xmlns:p14="http://schemas.microsoft.com/office/powerpoint/2010/main" val="1416220609"/>
+      </p:ext>
+    </p:extLst>
+  </p:cSld>
+  <p:clrMapOvr>
+    <a:masterClrMapping/>
+  </p:clrMapOvr>
+</p:notes>
+</file>
+
+<file path=ppt/notesSlides/notesSlide7.xml><?xml version="1.0" encoding="utf-8"?>
+<p:notes xmlns:a="http://schemas.openxmlformats.org/drawingml/2006/main" xmlns:r="http://schemas.openxmlformats.org/officeDocument/2006/relationships" xmlns:p="http://schemas.openxmlformats.org/presentationml/2006/main">
+  <p:cSld>
+    <p:spTree>
+      <p:nvGrpSpPr>
+        <p:cNvPr id="1" name=""/>
+        <p:cNvGrpSpPr/>
+        <p:nvPr/>
+      </p:nvGrpSpPr>
+      <p:grpSpPr>
+        <a:xfrm>
+          <a:off x="0" y="0"/>
+          <a:ext cx="0" cy="0"/>
+          <a:chOff x="0" y="0"/>
+          <a:chExt cx="0" cy="0"/>
+        </a:xfrm>
+      </p:grpSpPr>
+      <p:sp>
+        <p:nvSpPr>
+          <p:cNvPr id="2" name="슬라이드 이미지 개체 틀 1"/>
+          <p:cNvSpPr>
+            <a:spLocks noGrp="1" noRot="1" noChangeAspect="1"/>
+          </p:cNvSpPr>
+          <p:nvPr>
+            <p:ph type="sldImg"/>
+          </p:nvPr>
+        </p:nvSpPr>
+        <p:spPr/>
+      </p:sp>
+      <p:sp>
+        <p:nvSpPr>
+          <p:cNvPr id="3" name="슬라이드 노트 개체 틀 2"/>
+          <p:cNvSpPr>
+            <a:spLocks noGrp="1"/>
+          </p:cNvSpPr>
+          <p:nvPr>
+            <p:ph type="body" idx="1"/>
+          </p:nvPr>
+        </p:nvSpPr>
+        <p:spPr/>
+        <p:txBody>
+          <a:bodyPr/>
+          <a:lstStyle/>
+          <a:p>
+            <a:endParaRPr lang="ko-KR" altLang="en-US"/>
+          </a:p>
+        </p:txBody>
+      </p:sp>
+      <p:sp>
+        <p:nvSpPr>
+          <p:cNvPr id="4" name="슬라이드 번호 개체 틀 3"/>
+          <p:cNvSpPr>
+            <a:spLocks noGrp="1"/>
+          </p:cNvSpPr>
+          <p:nvPr>
+            <p:ph type="sldNum" sz="quarter" idx="10"/>
+          </p:nvPr>
+        </p:nvSpPr>
+        <p:spPr/>
+        <p:txBody>
+          <a:bodyPr/>
+          <a:lstStyle/>
+          <a:p>
+            <a:fld id="{BA5DFA43-8D57-47FB-BC46-057616015C3B}" type="slidenum">
+              <a:rPr lang="ko-KR" altLang="en-US" smtClean="0"/>
+              <a:t>7</a:t>
             </a:fld>
             <a:endParaRPr lang="ko-KR" altLang="en-US"/>
           </a:p>
@@ -14092,8 +14177,8 @@
           </a:fontRef>
         </p:style>
       </p:cxnSp>
-      <mc:AlternateContent xmlns:mc="http://schemas.openxmlformats.org/markup-compatibility/2006">
-        <mc:Choice xmlns:a14="http://schemas.microsoft.com/office/drawing/2010/main" Requires="a14">
+      <mc:AlternateContent xmlns:mc="http://schemas.openxmlformats.org/markup-compatibility/2006" xmlns:a14="http://schemas.microsoft.com/office/drawing/2010/main">
+        <mc:Choice Requires="a14">
           <p:sp>
             <p:nvSpPr>
               <p:cNvPr id="49" name="TextBox 48">
@@ -14165,7 +14250,7 @@
             </p:txBody>
           </p:sp>
         </mc:Choice>
-        <mc:Fallback>
+        <mc:Fallback xmlns="">
           <p:sp>
             <p:nvSpPr>
               <p:cNvPr id="49" name="TextBox 48">
@@ -14210,8 +14295,8 @@
           </p:sp>
         </mc:Fallback>
       </mc:AlternateContent>
-      <mc:AlternateContent xmlns:mc="http://schemas.openxmlformats.org/markup-compatibility/2006">
-        <mc:Choice xmlns:a14="http://schemas.microsoft.com/office/drawing/2010/main" Requires="a14">
+      <mc:AlternateContent xmlns:mc="http://schemas.openxmlformats.org/markup-compatibility/2006" xmlns:a14="http://schemas.microsoft.com/office/drawing/2010/main">
+        <mc:Choice Requires="a14">
           <p:sp>
             <p:nvSpPr>
               <p:cNvPr id="51" name="TextBox 50">
@@ -14283,7 +14368,7 @@
             </p:txBody>
           </p:sp>
         </mc:Choice>
-        <mc:Fallback>
+        <mc:Fallback xmlns="">
           <p:sp>
             <p:nvSpPr>
               <p:cNvPr id="51" name="TextBox 50">
@@ -14328,8 +14413,8 @@
           </p:sp>
         </mc:Fallback>
       </mc:AlternateContent>
-      <mc:AlternateContent xmlns:mc="http://schemas.openxmlformats.org/markup-compatibility/2006">
-        <mc:Choice xmlns:a14="http://schemas.microsoft.com/office/drawing/2010/main" Requires="a14">
+      <mc:AlternateContent xmlns:mc="http://schemas.openxmlformats.org/markup-compatibility/2006" xmlns:a14="http://schemas.microsoft.com/office/drawing/2010/main">
+        <mc:Choice Requires="a14">
           <p:sp>
             <p:nvSpPr>
               <p:cNvPr id="54" name="TextBox 53">
@@ -14401,7 +14486,7 @@
             </p:txBody>
           </p:sp>
         </mc:Choice>
-        <mc:Fallback>
+        <mc:Fallback xmlns="">
           <p:sp>
             <p:nvSpPr>
               <p:cNvPr id="54" name="TextBox 53">
@@ -14446,8 +14531,8 @@
           </p:sp>
         </mc:Fallback>
       </mc:AlternateContent>
-      <mc:AlternateContent xmlns:mc="http://schemas.openxmlformats.org/markup-compatibility/2006">
-        <mc:Choice xmlns:a14="http://schemas.microsoft.com/office/drawing/2010/main" Requires="a14">
+      <mc:AlternateContent xmlns:mc="http://schemas.openxmlformats.org/markup-compatibility/2006" xmlns:a14="http://schemas.microsoft.com/office/drawing/2010/main">
+        <mc:Choice Requires="a14">
           <p:sp>
             <p:nvSpPr>
               <p:cNvPr id="57" name="TextBox 56">
@@ -14519,7 +14604,7 @@
             </p:txBody>
           </p:sp>
         </mc:Choice>
-        <mc:Fallback>
+        <mc:Fallback xmlns="">
           <p:sp>
             <p:nvSpPr>
               <p:cNvPr id="57" name="TextBox 56">
@@ -16918,6 +17003,825 @@
 </file>
 
 <file path=ppt/slides/slide6.xml><?xml version="1.0" encoding="utf-8"?>
+<p:sld xmlns:a="http://schemas.openxmlformats.org/drawingml/2006/main" xmlns:r="http://schemas.openxmlformats.org/officeDocument/2006/relationships" xmlns:p="http://schemas.openxmlformats.org/presentationml/2006/main">
+  <p:cSld>
+    <p:spTree>
+      <p:nvGrpSpPr>
+        <p:cNvPr id="1" name=""/>
+        <p:cNvGrpSpPr/>
+        <p:nvPr/>
+      </p:nvGrpSpPr>
+      <p:grpSpPr>
+        <a:xfrm>
+          <a:off x="0" y="0"/>
+          <a:ext cx="0" cy="0"/>
+          <a:chOff x="0" y="0"/>
+          <a:chExt cx="0" cy="0"/>
+        </a:xfrm>
+      </p:grpSpPr>
+      <p:sp>
+        <p:nvSpPr>
+          <p:cNvPr id="2" name="제목 1">
+            <a:extLst>
+              <a:ext uri="{FF2B5EF4-FFF2-40B4-BE49-F238E27FC236}">
+                <a16:creationId xmlns:a16="http://schemas.microsoft.com/office/drawing/2014/main" id="{8738443D-5E72-49E2-86AC-581D61C41C39}"/>
+              </a:ext>
+            </a:extLst>
+          </p:cNvPr>
+          <p:cNvSpPr>
+            <a:spLocks noGrp="1"/>
+          </p:cNvSpPr>
+          <p:nvPr>
+            <p:ph type="title"/>
+          </p:nvPr>
+        </p:nvSpPr>
+        <p:spPr>
+          <a:xfrm>
+            <a:off x="457200" y="-92546"/>
+            <a:ext cx="8229600" cy="857250"/>
+          </a:xfrm>
+        </p:spPr>
+        <p:txBody>
+          <a:bodyPr/>
+          <a:lstStyle/>
+          <a:p>
+            <a:r>
+              <a:rPr lang="en-US" altLang="ko-KR"/>
+              <a:t>Straw Bucket</a:t>
+            </a:r>
+            <a:endParaRPr lang="ko-KR" altLang="en-US"/>
+          </a:p>
+        </p:txBody>
+      </p:sp>
+      <p:graphicFrame>
+        <p:nvGraphicFramePr>
+          <p:cNvPr id="3" name="표 2">
+            <a:extLst>
+              <a:ext uri="{FF2B5EF4-FFF2-40B4-BE49-F238E27FC236}">
+                <a16:creationId xmlns:a16="http://schemas.microsoft.com/office/drawing/2014/main" id="{B2BC7A7B-884C-4D30-82CE-3C5D6447CF8B}"/>
+              </a:ext>
+            </a:extLst>
+          </p:cNvPr>
+          <p:cNvGraphicFramePr>
+            <a:graphicFrameLocks noGrp="1"/>
+          </p:cNvGraphicFramePr>
+          <p:nvPr>
+            <p:extLst>
+              <p:ext uri="{D42A27DB-BD31-4B8C-83A1-F6EECF244321}">
+                <p14:modId xmlns:p14="http://schemas.microsoft.com/office/powerpoint/2010/main" val="508318821"/>
+              </p:ext>
+            </p:extLst>
+          </p:nvPr>
+        </p:nvGraphicFramePr>
+        <p:xfrm>
+          <a:off x="683568" y="1779662"/>
+          <a:ext cx="7673838" cy="1854200"/>
+        </p:xfrm>
+        <a:graphic>
+          <a:graphicData uri="http://schemas.openxmlformats.org/drawingml/2006/table">
+            <a:tbl>
+              <a:tblPr firstRow="1" bandRow="1">
+                <a:tableStyleId>{5940675A-B579-460E-94D1-54222C63F5DA}</a:tableStyleId>
+              </a:tblPr>
+              <a:tblGrid>
+                <a:gridCol w="1440000">
+                  <a:extLst>
+                    <a:ext uri="{9D8B030D-6E8A-4147-A177-3AD203B41FA5}">
+                      <a16:colId xmlns:a16="http://schemas.microsoft.com/office/drawing/2014/main" val="717780426"/>
+                    </a:ext>
+                  </a:extLst>
+                </a:gridCol>
+                <a:gridCol w="1038973">
+                  <a:extLst>
+                    <a:ext uri="{9D8B030D-6E8A-4147-A177-3AD203B41FA5}">
+                      <a16:colId xmlns:a16="http://schemas.microsoft.com/office/drawing/2014/main" val="3636690890"/>
+                    </a:ext>
+                  </a:extLst>
+                </a:gridCol>
+                <a:gridCol w="1038973">
+                  <a:extLst>
+                    <a:ext uri="{9D8B030D-6E8A-4147-A177-3AD203B41FA5}">
+                      <a16:colId xmlns:a16="http://schemas.microsoft.com/office/drawing/2014/main" val="450357386"/>
+                    </a:ext>
+                  </a:extLst>
+                </a:gridCol>
+                <a:gridCol w="1038973">
+                  <a:extLst>
+                    <a:ext uri="{9D8B030D-6E8A-4147-A177-3AD203B41FA5}">
+                      <a16:colId xmlns:a16="http://schemas.microsoft.com/office/drawing/2014/main" val="3872762225"/>
+                    </a:ext>
+                  </a:extLst>
+                </a:gridCol>
+                <a:gridCol w="1038973">
+                  <a:extLst>
+                    <a:ext uri="{9D8B030D-6E8A-4147-A177-3AD203B41FA5}">
+                      <a16:colId xmlns:a16="http://schemas.microsoft.com/office/drawing/2014/main" val="34850424"/>
+                    </a:ext>
+                  </a:extLst>
+                </a:gridCol>
+                <a:gridCol w="1038973">
+                  <a:extLst>
+                    <a:ext uri="{9D8B030D-6E8A-4147-A177-3AD203B41FA5}">
+                      <a16:colId xmlns:a16="http://schemas.microsoft.com/office/drawing/2014/main" val="3472111104"/>
+                    </a:ext>
+                  </a:extLst>
+                </a:gridCol>
+                <a:gridCol w="1038973">
+                  <a:extLst>
+                    <a:ext uri="{9D8B030D-6E8A-4147-A177-3AD203B41FA5}">
+                      <a16:colId xmlns:a16="http://schemas.microsoft.com/office/drawing/2014/main" val="2487916246"/>
+                    </a:ext>
+                  </a:extLst>
+                </a:gridCol>
+              </a:tblGrid>
+              <a:tr h="370840">
+                <a:tc>
+                  <a:txBody>
+                    <a:bodyPr/>
+                    <a:lstStyle/>
+                    <a:p>
+                      <a:pPr algn="ctr" latinLnBrk="1"/>
+                      <a:endParaRPr lang="ko-KR" altLang="en-US" sz="1400"/>
+                    </a:p>
+                  </a:txBody>
+                  <a:tcPr anchor="ctr"/>
+                </a:tc>
+                <a:tc>
+                  <a:txBody>
+                    <a:bodyPr/>
+                    <a:lstStyle/>
+                    <a:p>
+                      <a:pPr algn="ctr" latinLnBrk="1"/>
+                      <a:r>
+                        <a:rPr lang="en-US" altLang="ko-KR" sz="1400"/>
+                        <a:t>pg_id = 0</a:t>
+                      </a:r>
+                      <a:endParaRPr lang="ko-KR" altLang="en-US" sz="1400"/>
+                    </a:p>
+                  </a:txBody>
+                  <a:tcPr anchor="ctr"/>
+                </a:tc>
+                <a:tc>
+                  <a:txBody>
+                    <a:bodyPr/>
+                    <a:lstStyle/>
+                    <a:p>
+                      <a:pPr algn="ctr" latinLnBrk="1"/>
+                      <a:r>
+                        <a:rPr lang="en-US" altLang="ko-KR" sz="1400"/>
+                        <a:t>pg_id = 1</a:t>
+                      </a:r>
+                      <a:endParaRPr lang="ko-KR" altLang="en-US" sz="1400"/>
+                    </a:p>
+                  </a:txBody>
+                  <a:tcPr anchor="ctr"/>
+                </a:tc>
+                <a:tc>
+                  <a:txBody>
+                    <a:bodyPr/>
+                    <a:lstStyle/>
+                    <a:p>
+                      <a:pPr algn="ctr" latinLnBrk="1"/>
+                      <a:r>
+                        <a:rPr lang="en-US" altLang="ko-KR" sz="1400"/>
+                        <a:t>pg_id = 2</a:t>
+                      </a:r>
+                      <a:endParaRPr lang="ko-KR" altLang="en-US" sz="1400"/>
+                    </a:p>
+                  </a:txBody>
+                  <a:tcPr anchor="ctr"/>
+                </a:tc>
+                <a:tc>
+                  <a:txBody>
+                    <a:bodyPr/>
+                    <a:lstStyle/>
+                    <a:p>
+                      <a:pPr algn="ctr" latinLnBrk="1"/>
+                      <a:r>
+                        <a:rPr lang="en-US" altLang="ko-KR" sz="1400"/>
+                        <a:t>pg_id = 3</a:t>
+                      </a:r>
+                      <a:endParaRPr lang="ko-KR" altLang="en-US" sz="1400"/>
+                    </a:p>
+                  </a:txBody>
+                  <a:tcPr anchor="ctr"/>
+                </a:tc>
+                <a:tc>
+                  <a:txBody>
+                    <a:bodyPr/>
+                    <a:lstStyle/>
+                    <a:p>
+                      <a:pPr algn="ctr" latinLnBrk="1"/>
+                      <a:r>
+                        <a:rPr lang="en-US" altLang="ko-KR" sz="1400"/>
+                        <a:t>pg_id = 4</a:t>
+                      </a:r>
+                      <a:endParaRPr lang="ko-KR" altLang="en-US" sz="1400"/>
+                    </a:p>
+                  </a:txBody>
+                  <a:tcPr anchor="ctr"/>
+                </a:tc>
+                <a:tc>
+                  <a:txBody>
+                    <a:bodyPr/>
+                    <a:lstStyle/>
+                    <a:p>
+                      <a:pPr algn="ctr" latinLnBrk="1"/>
+                      <a:r>
+                        <a:rPr lang="en-US" altLang="ko-KR" sz="1400"/>
+                        <a:t>pg_id = 5</a:t>
+                      </a:r>
+                      <a:endParaRPr lang="ko-KR" altLang="en-US" sz="1400"/>
+                    </a:p>
+                  </a:txBody>
+                  <a:tcPr anchor="ctr"/>
+                </a:tc>
+                <a:extLst>
+                  <a:ext uri="{0D108BD9-81ED-4DB2-BD59-A6C34878D82A}">
+                    <a16:rowId xmlns:a16="http://schemas.microsoft.com/office/drawing/2014/main" val="2225107068"/>
+                  </a:ext>
+                </a:extLst>
+              </a:tr>
+              <a:tr h="370840">
+                <a:tc>
+                  <a:txBody>
+                    <a:bodyPr/>
+                    <a:lstStyle/>
+                    <a:p>
+                      <a:pPr algn="ctr" latinLnBrk="1"/>
+                      <a:r>
+                        <a:rPr lang="en-US" altLang="ko-KR" sz="1400"/>
+                        <a:t>cbucket_id = 0 </a:t>
+                      </a:r>
+                      <a:endParaRPr lang="ko-KR" altLang="en-US" sz="1400"/>
+                    </a:p>
+                  </a:txBody>
+                  <a:tcPr anchor="ctr"/>
+                </a:tc>
+                <a:tc>
+                  <a:txBody>
+                    <a:bodyPr/>
+                    <a:lstStyle/>
+                    <a:p>
+                      <a:pPr algn="r" latinLnBrk="1"/>
+                      <a:r>
+                        <a:rPr lang="en-US" altLang="ko-KR" sz="1400"/>
+                        <a:t>10424</a:t>
+                      </a:r>
+                      <a:endParaRPr lang="ko-KR" altLang="en-US" sz="1400"/>
+                    </a:p>
+                  </a:txBody>
+                  <a:tcPr anchor="ctr"/>
+                </a:tc>
+                <a:tc>
+                  <a:txBody>
+                    <a:bodyPr/>
+                    <a:lstStyle/>
+                    <a:p>
+                      <a:pPr algn="r" latinLnBrk="1"/>
+                      <a:r>
+                        <a:rPr lang="en-US" altLang="ko-KR" sz="1400" b="1">
+                          <a:solidFill>
+                            <a:schemeClr val="tx2"/>
+                          </a:solidFill>
+                        </a:rPr>
+                        <a:t>93847</a:t>
+                      </a:r>
+                      <a:endParaRPr lang="ko-KR" altLang="en-US" sz="1400" b="1">
+                        <a:solidFill>
+                          <a:schemeClr val="tx2"/>
+                        </a:solidFill>
+                      </a:endParaRPr>
+                    </a:p>
+                  </a:txBody>
+                  <a:tcPr anchor="ctr"/>
+                </a:tc>
+                <a:tc>
+                  <a:txBody>
+                    <a:bodyPr/>
+                    <a:lstStyle/>
+                    <a:p>
+                      <a:pPr algn="r" latinLnBrk="1"/>
+                      <a:r>
+                        <a:rPr lang="en-US" altLang="ko-KR" sz="1400" b="1">
+                          <a:solidFill>
+                            <a:schemeClr val="tx2"/>
+                          </a:solidFill>
+                        </a:rPr>
+                        <a:t>52351</a:t>
+                      </a:r>
+                      <a:endParaRPr lang="ko-KR" altLang="en-US" sz="1400" b="1">
+                        <a:solidFill>
+                          <a:schemeClr val="tx2"/>
+                        </a:solidFill>
+                      </a:endParaRPr>
+                    </a:p>
+                  </a:txBody>
+                  <a:tcPr anchor="ctr"/>
+                </a:tc>
+                <a:tc>
+                  <a:txBody>
+                    <a:bodyPr/>
+                    <a:lstStyle/>
+                    <a:p>
+                      <a:pPr algn="r" latinLnBrk="1"/>
+                      <a:r>
+                        <a:rPr lang="en-US" altLang="ko-KR" sz="1400"/>
+                        <a:t>21512</a:t>
+                      </a:r>
+                      <a:endParaRPr lang="ko-KR" altLang="en-US" sz="1400"/>
+                    </a:p>
+                  </a:txBody>
+                  <a:tcPr anchor="ctr"/>
+                </a:tc>
+                <a:tc>
+                  <a:txBody>
+                    <a:bodyPr/>
+                    <a:lstStyle/>
+                    <a:p>
+                      <a:pPr algn="r" latinLnBrk="1"/>
+                      <a:r>
+                        <a:rPr lang="en-US" altLang="ko-KR" sz="1400"/>
+                        <a:t>52123</a:t>
+                      </a:r>
+                      <a:endParaRPr lang="ko-KR" altLang="en-US" sz="1400"/>
+                    </a:p>
+                  </a:txBody>
+                  <a:tcPr anchor="ctr"/>
+                </a:tc>
+                <a:tc>
+                  <a:txBody>
+                    <a:bodyPr/>
+                    <a:lstStyle/>
+                    <a:p>
+                      <a:pPr algn="r" latinLnBrk="1"/>
+                      <a:r>
+                        <a:rPr lang="en-US" altLang="ko-KR" sz="1400"/>
+                        <a:t>57231</a:t>
+                      </a:r>
+                      <a:endParaRPr lang="ko-KR" altLang="en-US" sz="1400"/>
+                    </a:p>
+                  </a:txBody>
+                  <a:tcPr anchor="ctr"/>
+                </a:tc>
+                <a:extLst>
+                  <a:ext uri="{0D108BD9-81ED-4DB2-BD59-A6C34878D82A}">
+                    <a16:rowId xmlns:a16="http://schemas.microsoft.com/office/drawing/2014/main" val="3018977567"/>
+                  </a:ext>
+                </a:extLst>
+              </a:tr>
+              <a:tr h="370840">
+                <a:tc>
+                  <a:txBody>
+                    <a:bodyPr/>
+                    <a:lstStyle/>
+                    <a:p>
+                      <a:pPr algn="ctr" latinLnBrk="1"/>
+                      <a:r>
+                        <a:rPr lang="en-US" altLang="ko-KR" sz="1400"/>
+                        <a:t>cbucket_id = 1 </a:t>
+                      </a:r>
+                      <a:endParaRPr lang="ko-KR" altLang="en-US" sz="1400"/>
+                    </a:p>
+                  </a:txBody>
+                  <a:tcPr anchor="ctr"/>
+                </a:tc>
+                <a:tc>
+                  <a:txBody>
+                    <a:bodyPr/>
+                    <a:lstStyle/>
+                    <a:p>
+                      <a:pPr algn="r" latinLnBrk="1"/>
+                      <a:r>
+                        <a:rPr lang="en-US" altLang="ko-KR" sz="1400" b="1">
+                          <a:solidFill>
+                            <a:schemeClr val="tx2"/>
+                          </a:solidFill>
+                        </a:rPr>
+                        <a:t>55212</a:t>
+                      </a:r>
+                      <a:endParaRPr lang="ko-KR" altLang="en-US" sz="1400" b="1">
+                        <a:solidFill>
+                          <a:schemeClr val="tx2"/>
+                        </a:solidFill>
+                      </a:endParaRPr>
+                    </a:p>
+                  </a:txBody>
+                  <a:tcPr anchor="ctr"/>
+                </a:tc>
+                <a:tc>
+                  <a:txBody>
+                    <a:bodyPr/>
+                    <a:lstStyle/>
+                    <a:p>
+                      <a:pPr algn="r" latinLnBrk="1"/>
+                      <a:r>
+                        <a:rPr lang="en-US" altLang="ko-KR" sz="1400"/>
+                        <a:t>14534</a:t>
+                      </a:r>
+                      <a:endParaRPr lang="ko-KR" altLang="en-US" sz="1400"/>
+                    </a:p>
+                  </a:txBody>
+                  <a:tcPr anchor="ctr"/>
+                </a:tc>
+                <a:tc>
+                  <a:txBody>
+                    <a:bodyPr/>
+                    <a:lstStyle/>
+                    <a:p>
+                      <a:pPr algn="r" latinLnBrk="1"/>
+                      <a:r>
+                        <a:rPr lang="en-US" altLang="ko-KR" sz="1400"/>
+                        <a:t>23452</a:t>
+                      </a:r>
+                      <a:endParaRPr lang="ko-KR" altLang="en-US" sz="1400"/>
+                    </a:p>
+                  </a:txBody>
+                  <a:tcPr anchor="ctr"/>
+                </a:tc>
+                <a:tc>
+                  <a:txBody>
+                    <a:bodyPr/>
+                    <a:lstStyle/>
+                    <a:p>
+                      <a:pPr algn="r" latinLnBrk="1"/>
+                      <a:r>
+                        <a:rPr lang="en-US" altLang="ko-KR" sz="1400" b="1">
+                          <a:solidFill>
+                            <a:schemeClr val="tx2"/>
+                          </a:solidFill>
+                        </a:rPr>
+                        <a:t>45231</a:t>
+                      </a:r>
+                      <a:endParaRPr lang="ko-KR" altLang="en-US" sz="1400" b="1">
+                        <a:solidFill>
+                          <a:schemeClr val="tx2"/>
+                        </a:solidFill>
+                      </a:endParaRPr>
+                    </a:p>
+                  </a:txBody>
+                  <a:tcPr anchor="ctr"/>
+                </a:tc>
+                <a:tc>
+                  <a:txBody>
+                    <a:bodyPr/>
+                    <a:lstStyle/>
+                    <a:p>
+                      <a:pPr algn="r" latinLnBrk="1"/>
+                      <a:r>
+                        <a:rPr lang="en-US" altLang="ko-KR" sz="1400" b="1">
+                          <a:solidFill>
+                            <a:schemeClr val="tx2"/>
+                          </a:solidFill>
+                        </a:rPr>
+                        <a:t>67842</a:t>
+                      </a:r>
+                      <a:endParaRPr lang="ko-KR" altLang="en-US" sz="1400" b="1">
+                        <a:solidFill>
+                          <a:schemeClr val="tx2"/>
+                        </a:solidFill>
+                      </a:endParaRPr>
+                    </a:p>
+                  </a:txBody>
+                  <a:tcPr anchor="ctr"/>
+                </a:tc>
+                <a:tc>
+                  <a:txBody>
+                    <a:bodyPr/>
+                    <a:lstStyle/>
+                    <a:p>
+                      <a:pPr algn="r" latinLnBrk="1"/>
+                      <a:r>
+                        <a:rPr lang="en-US" altLang="ko-KR" sz="1400"/>
+                        <a:t>36214</a:t>
+                      </a:r>
+                      <a:endParaRPr lang="ko-KR" altLang="en-US" sz="1400"/>
+                    </a:p>
+                  </a:txBody>
+                  <a:tcPr anchor="ctr"/>
+                </a:tc>
+                <a:extLst>
+                  <a:ext uri="{0D108BD9-81ED-4DB2-BD59-A6C34878D82A}">
+                    <a16:rowId xmlns:a16="http://schemas.microsoft.com/office/drawing/2014/main" val="27282063"/>
+                  </a:ext>
+                </a:extLst>
+              </a:tr>
+              <a:tr h="370840">
+                <a:tc>
+                  <a:txBody>
+                    <a:bodyPr/>
+                    <a:lstStyle/>
+                    <a:p>
+                      <a:pPr algn="ctr" latinLnBrk="1"/>
+                      <a:r>
+                        <a:rPr lang="en-US" altLang="ko-KR" sz="1400"/>
+                        <a:t>cbucket_id = 2 </a:t>
+                      </a:r>
+                      <a:endParaRPr lang="ko-KR" altLang="en-US" sz="1400"/>
+                    </a:p>
+                  </a:txBody>
+                  <a:tcPr anchor="ctr"/>
+                </a:tc>
+                <a:tc>
+                  <a:txBody>
+                    <a:bodyPr/>
+                    <a:lstStyle/>
+                    <a:p>
+                      <a:pPr algn="r" latinLnBrk="1"/>
+                      <a:r>
+                        <a:rPr lang="en-US" altLang="ko-KR" sz="1400"/>
+                        <a:t>14522</a:t>
+                      </a:r>
+                      <a:endParaRPr lang="ko-KR" altLang="en-US" sz="1400"/>
+                    </a:p>
+                  </a:txBody>
+                  <a:tcPr anchor="ctr"/>
+                </a:tc>
+                <a:tc>
+                  <a:txBody>
+                    <a:bodyPr/>
+                    <a:lstStyle/>
+                    <a:p>
+                      <a:pPr algn="r" latinLnBrk="1"/>
+                      <a:r>
+                        <a:rPr lang="en-US" altLang="ko-KR" sz="1400"/>
+                        <a:t>74342</a:t>
+                      </a:r>
+                      <a:endParaRPr lang="ko-KR" altLang="en-US" sz="1400"/>
+                    </a:p>
+                  </a:txBody>
+                  <a:tcPr anchor="ctr"/>
+                </a:tc>
+                <a:tc>
+                  <a:txBody>
+                    <a:bodyPr/>
+                    <a:lstStyle/>
+                    <a:p>
+                      <a:pPr algn="r" latinLnBrk="1"/>
+                      <a:r>
+                        <a:rPr lang="en-US" altLang="ko-KR" sz="1400"/>
+                        <a:t>12341</a:t>
+                      </a:r>
+                      <a:endParaRPr lang="ko-KR" altLang="en-US" sz="1400"/>
+                    </a:p>
+                  </a:txBody>
+                  <a:tcPr anchor="ctr"/>
+                </a:tc>
+                <a:tc>
+                  <a:txBody>
+                    <a:bodyPr/>
+                    <a:lstStyle/>
+                    <a:p>
+                      <a:pPr algn="r" latinLnBrk="1"/>
+                      <a:r>
+                        <a:rPr lang="en-US" altLang="ko-KR" sz="1400"/>
+                        <a:t>24745</a:t>
+                      </a:r>
+                      <a:endParaRPr lang="ko-KR" altLang="en-US" sz="1400"/>
+                    </a:p>
+                  </a:txBody>
+                  <a:tcPr anchor="ctr"/>
+                </a:tc>
+                <a:tc>
+                  <a:txBody>
+                    <a:bodyPr/>
+                    <a:lstStyle/>
+                    <a:p>
+                      <a:pPr algn="r" latinLnBrk="1"/>
+                      <a:r>
+                        <a:rPr lang="en-US" altLang="ko-KR" sz="1400"/>
+                        <a:t>46732</a:t>
+                      </a:r>
+                      <a:endParaRPr lang="ko-KR" altLang="en-US" sz="1400"/>
+                    </a:p>
+                  </a:txBody>
+                  <a:tcPr anchor="ctr"/>
+                </a:tc>
+                <a:tc>
+                  <a:txBody>
+                    <a:bodyPr/>
+                    <a:lstStyle/>
+                    <a:p>
+                      <a:pPr algn="r" latinLnBrk="1"/>
+                      <a:r>
+                        <a:rPr lang="en-US" altLang="ko-KR" sz="1400" b="1">
+                          <a:solidFill>
+                            <a:schemeClr val="tx2"/>
+                          </a:solidFill>
+                        </a:rPr>
+                        <a:t>87452</a:t>
+                      </a:r>
+                      <a:endParaRPr lang="ko-KR" altLang="en-US" sz="1400" b="1">
+                        <a:solidFill>
+                          <a:schemeClr val="tx2"/>
+                        </a:solidFill>
+                      </a:endParaRPr>
+                    </a:p>
+                  </a:txBody>
+                  <a:tcPr anchor="ctr"/>
+                </a:tc>
+                <a:extLst>
+                  <a:ext uri="{0D108BD9-81ED-4DB2-BD59-A6C34878D82A}">
+                    <a16:rowId xmlns:a16="http://schemas.microsoft.com/office/drawing/2014/main" val="2158435496"/>
+                  </a:ext>
+                </a:extLst>
+              </a:tr>
+              <a:tr h="370840">
+                <a:tc>
+                  <a:txBody>
+                    <a:bodyPr/>
+                    <a:lstStyle/>
+                    <a:p>
+                      <a:pPr algn="ctr" latinLnBrk="1"/>
+                      <a:r>
+                        <a:rPr lang="en-US" altLang="ko-KR" sz="1400"/>
+                        <a:t>cbucket_id = 3 </a:t>
+                      </a:r>
+                      <a:endParaRPr lang="ko-KR" altLang="en-US" sz="1400"/>
+                    </a:p>
+                  </a:txBody>
+                  <a:tcPr anchor="ctr">
+                    <a:solidFill>
+                      <a:schemeClr val="bg1">
+                        <a:lumMod val="85000"/>
+                      </a:schemeClr>
+                    </a:solidFill>
+                  </a:tcPr>
+                </a:tc>
+                <a:tc>
+                  <a:txBody>
+                    <a:bodyPr/>
+                    <a:lstStyle/>
+                    <a:p>
+                      <a:pPr algn="r" latinLnBrk="1"/>
+                      <a:r>
+                        <a:rPr lang="en-US" altLang="ko-KR" sz="1400" b="1">
+                          <a:solidFill>
+                            <a:srgbClr val="C00000"/>
+                          </a:solidFill>
+                        </a:rPr>
+                        <a:t>64213</a:t>
+                      </a:r>
+                      <a:endParaRPr lang="ko-KR" altLang="en-US" sz="1400" b="1">
+                        <a:solidFill>
+                          <a:srgbClr val="C00000"/>
+                        </a:solidFill>
+                      </a:endParaRPr>
+                    </a:p>
+                  </a:txBody>
+                  <a:tcPr anchor="ctr">
+                    <a:solidFill>
+                      <a:schemeClr val="bg1">
+                        <a:lumMod val="85000"/>
+                      </a:schemeClr>
+                    </a:solidFill>
+                  </a:tcPr>
+                </a:tc>
+                <a:tc>
+                  <a:txBody>
+                    <a:bodyPr/>
+                    <a:lstStyle/>
+                    <a:p>
+                      <a:pPr algn="r" latinLnBrk="1"/>
+                      <a:r>
+                        <a:rPr lang="en-US" altLang="ko-KR" sz="1400"/>
+                        <a:t>34125</a:t>
+                      </a:r>
+                      <a:endParaRPr lang="ko-KR" altLang="en-US" sz="1400"/>
+                    </a:p>
+                  </a:txBody>
+                  <a:tcPr anchor="ctr">
+                    <a:solidFill>
+                      <a:schemeClr val="bg1">
+                        <a:lumMod val="85000"/>
+                      </a:schemeClr>
+                    </a:solidFill>
+                  </a:tcPr>
+                </a:tc>
+                <a:tc>
+                  <a:txBody>
+                    <a:bodyPr/>
+                    <a:lstStyle/>
+                    <a:p>
+                      <a:pPr algn="r" latinLnBrk="1"/>
+                      <a:r>
+                        <a:rPr lang="en-US" altLang="ko-KR" sz="1400" b="1">
+                          <a:solidFill>
+                            <a:srgbClr val="C00000"/>
+                          </a:solidFill>
+                        </a:rPr>
+                        <a:t>67342</a:t>
+                      </a:r>
+                      <a:endParaRPr lang="ko-KR" altLang="en-US" sz="1400" b="1">
+                        <a:solidFill>
+                          <a:srgbClr val="C00000"/>
+                        </a:solidFill>
+                      </a:endParaRPr>
+                    </a:p>
+                  </a:txBody>
+                  <a:tcPr anchor="ctr">
+                    <a:solidFill>
+                      <a:schemeClr val="bg1">
+                        <a:lumMod val="85000"/>
+                      </a:schemeClr>
+                    </a:solidFill>
+                  </a:tcPr>
+                </a:tc>
+                <a:tc>
+                  <a:txBody>
+                    <a:bodyPr/>
+                    <a:lstStyle/>
+                    <a:p>
+                      <a:pPr algn="r" latinLnBrk="1"/>
+                      <a:r>
+                        <a:rPr lang="en-US" altLang="ko-KR" sz="1400"/>
+                        <a:t>14123</a:t>
+                      </a:r>
+                      <a:endParaRPr lang="ko-KR" altLang="en-US" sz="1400"/>
+                    </a:p>
+                  </a:txBody>
+                  <a:tcPr anchor="ctr">
+                    <a:solidFill>
+                      <a:schemeClr val="bg1">
+                        <a:lumMod val="85000"/>
+                      </a:schemeClr>
+                    </a:solidFill>
+                  </a:tcPr>
+                </a:tc>
+                <a:tc>
+                  <a:txBody>
+                    <a:bodyPr/>
+                    <a:lstStyle/>
+                    <a:p>
+                      <a:pPr algn="r" latinLnBrk="1"/>
+                      <a:r>
+                        <a:rPr lang="en-US" altLang="ko-KR" sz="1400"/>
+                        <a:t>15632</a:t>
+                      </a:r>
+                      <a:endParaRPr lang="ko-KR" altLang="en-US" sz="1400"/>
+                    </a:p>
+                  </a:txBody>
+                  <a:tcPr anchor="ctr">
+                    <a:solidFill>
+                      <a:schemeClr val="bg1">
+                        <a:lumMod val="85000"/>
+                      </a:schemeClr>
+                    </a:solidFill>
+                  </a:tcPr>
+                </a:tc>
+                <a:tc>
+                  <a:txBody>
+                    <a:bodyPr/>
+                    <a:lstStyle/>
+                    <a:p>
+                      <a:pPr algn="r" latinLnBrk="1"/>
+                      <a:r>
+                        <a:rPr lang="en-US" altLang="ko-KR" sz="1400" b="0">
+                          <a:solidFill>
+                            <a:schemeClr val="tx1"/>
+                          </a:solidFill>
+                        </a:rPr>
+                        <a:t>12123</a:t>
+                      </a:r>
+                      <a:endParaRPr lang="ko-KR" altLang="en-US" sz="1400" b="0">
+                        <a:solidFill>
+                          <a:schemeClr val="tx1"/>
+                        </a:solidFill>
+                      </a:endParaRPr>
+                    </a:p>
+                  </a:txBody>
+                  <a:tcPr anchor="ctr">
+                    <a:solidFill>
+                      <a:schemeClr val="bg1">
+                        <a:lumMod val="85000"/>
+                      </a:schemeClr>
+                    </a:solidFill>
+                  </a:tcPr>
+                </a:tc>
+                <a:extLst>
+                  <a:ext uri="{0D108BD9-81ED-4DB2-BD59-A6C34878D82A}">
+                    <a16:rowId xmlns:a16="http://schemas.microsoft.com/office/drawing/2014/main" val="4174335135"/>
+                  </a:ext>
+                </a:extLst>
+              </a:tr>
+            </a:tbl>
+          </a:graphicData>
+        </a:graphic>
+      </p:graphicFrame>
+    </p:spTree>
+    <p:extLst>
+      <p:ext uri="{BB962C8B-B14F-4D97-AF65-F5344CB8AC3E}">
+        <p14:creationId xmlns:p14="http://schemas.microsoft.com/office/powerpoint/2010/main" val="3441469471"/>
+      </p:ext>
+    </p:extLst>
+  </p:cSld>
+  <p:clrMapOvr>
+    <a:masterClrMapping/>
+  </p:clrMapOvr>
+</p:sld>
+</file>
+
+<file path=ppt/slides/slide7.xml><?xml version="1.0" encoding="utf-8"?>
 <p:sld xmlns:a="http://schemas.openxmlformats.org/drawingml/2006/main" xmlns:r="http://schemas.openxmlformats.org/officeDocument/2006/relationships" xmlns:p="http://schemas.openxmlformats.org/presentationml/2006/main">
   <p:cSld>
     <p:spTree>

--- a/images/theory_analysis/Ceph_CRUSH_Map_Bucket_Type/Ceph_CRUSH.pptx
+++ b/images/theory_analysis/Ceph_CRUSH_Map_Bucket_Type/Ceph_CRUSH.pptx
@@ -5,7 +5,7 @@
     <p:sldMasterId id="2147483648" r:id="rId1"/>
   </p:sldMasterIdLst>
   <p:notesMasterIdLst>
-    <p:notesMasterId r:id="rId9"/>
+    <p:notesMasterId r:id="rId10"/>
   </p:notesMasterIdLst>
   <p:sldIdLst>
     <p:sldId id="418" r:id="rId2"/>
@@ -14,7 +14,8 @@
     <p:sldId id="428" r:id="rId5"/>
     <p:sldId id="429" r:id="rId6"/>
     <p:sldId id="430" r:id="rId7"/>
-    <p:sldId id="427" r:id="rId8"/>
+    <p:sldId id="431" r:id="rId8"/>
+    <p:sldId id="427" r:id="rId9"/>
   </p:sldIdLst>
   <p:sldSz cx="9144000" cy="5143500" type="screen16x9"/>
   <p:notesSz cx="6858000" cy="9144000"/>
@@ -1055,7 +1056,7 @@
           <a:p>
             <a:fld id="{BA5DFA43-8D57-47FB-BC46-057616015C3B}" type="slidenum">
               <a:rPr lang="ko-KR" altLang="en-US" smtClean="0"/>
-              <a:t>7</a:t>
+              <a:t>8</a:t>
             </a:fld>
             <a:endParaRPr lang="ko-KR" altLang="en-US"/>
           </a:p>
@@ -17822,6 +17823,86 @@
 </file>
 
 <file path=ppt/slides/slide7.xml><?xml version="1.0" encoding="utf-8"?>
+<p:sld xmlns:a="http://schemas.openxmlformats.org/drawingml/2006/main" xmlns:r="http://schemas.openxmlformats.org/officeDocument/2006/relationships" xmlns:p="http://schemas.openxmlformats.org/presentationml/2006/main">
+  <p:cSld>
+    <p:spTree>
+      <p:nvGrpSpPr>
+        <p:cNvPr id="1" name=""/>
+        <p:cNvGrpSpPr/>
+        <p:nvPr/>
+      </p:nvGrpSpPr>
+      <p:grpSpPr>
+        <a:xfrm>
+          <a:off x="0" y="0"/>
+          <a:ext cx="0" cy="0"/>
+          <a:chOff x="0" y="0"/>
+          <a:chExt cx="0" cy="0"/>
+        </a:xfrm>
+      </p:grpSpPr>
+      <p:sp>
+        <p:nvSpPr>
+          <p:cNvPr id="2" name="제목 1">
+            <a:extLst>
+              <a:ext uri="{FF2B5EF4-FFF2-40B4-BE49-F238E27FC236}">
+                <a16:creationId xmlns:a16="http://schemas.microsoft.com/office/drawing/2014/main" id="{40E4F688-0B2B-47AA-A420-EA21C131F7E2}"/>
+              </a:ext>
+            </a:extLst>
+          </p:cNvPr>
+          <p:cNvSpPr>
+            <a:spLocks noGrp="1"/>
+          </p:cNvSpPr>
+          <p:nvPr>
+            <p:ph type="title"/>
+          </p:nvPr>
+        </p:nvSpPr>
+        <p:spPr/>
+        <p:txBody>
+          <a:bodyPr/>
+          <a:lstStyle/>
+          <a:p>
+            <a:endParaRPr lang="ko-KR" altLang="en-US"/>
+          </a:p>
+        </p:txBody>
+      </p:sp>
+      <p:sp>
+        <p:nvSpPr>
+          <p:cNvPr id="3" name="내용 개체 틀 2">
+            <a:extLst>
+              <a:ext uri="{FF2B5EF4-FFF2-40B4-BE49-F238E27FC236}">
+                <a16:creationId xmlns:a16="http://schemas.microsoft.com/office/drawing/2014/main" id="{3693E24B-41AB-464D-82DD-7E70AF8D505D}"/>
+              </a:ext>
+            </a:extLst>
+          </p:cNvPr>
+          <p:cNvSpPr>
+            <a:spLocks noGrp="1"/>
+          </p:cNvSpPr>
+          <p:nvPr>
+            <p:ph idx="1"/>
+          </p:nvPr>
+        </p:nvSpPr>
+        <p:spPr/>
+        <p:txBody>
+          <a:bodyPr/>
+          <a:lstStyle/>
+          <a:p>
+            <a:endParaRPr lang="ko-KR" altLang="en-US"/>
+          </a:p>
+        </p:txBody>
+      </p:sp>
+    </p:spTree>
+    <p:extLst>
+      <p:ext uri="{BB962C8B-B14F-4D97-AF65-F5344CB8AC3E}">
+        <p14:creationId xmlns:p14="http://schemas.microsoft.com/office/powerpoint/2010/main" val="2512836684"/>
+      </p:ext>
+    </p:extLst>
+  </p:cSld>
+  <p:clrMapOvr>
+    <a:masterClrMapping/>
+  </p:clrMapOvr>
+</p:sld>
+</file>
+
+<file path=ppt/slides/slide8.xml><?xml version="1.0" encoding="utf-8"?>
 <p:sld xmlns:a="http://schemas.openxmlformats.org/drawingml/2006/main" xmlns:r="http://schemas.openxmlformats.org/officeDocument/2006/relationships" xmlns:p="http://schemas.openxmlformats.org/presentationml/2006/main">
   <p:cSld>
     <p:spTree>
